--- a/ThesisPart1/Proposal-Website-Vulnerabilities-Scanner_-Vuln-Exposer.pptx
+++ b/ThesisPart1/Proposal-Website-Vulnerabilities-Scanner_-Vuln-Exposer.pptx
@@ -1,6 +1,6 @@
 
 <file path=ppt/presentation.xml><?xml version="1.0" encoding="utf-8"?>
-<p:presentation xmlns:a="http://schemas.openxmlformats.org/drawingml/2006/main" xmlns:r="http://schemas.openxmlformats.org/officeDocument/2006/relationships" xmlns:mc="http://schemas.openxmlformats.org/markup-compatibility/2006" xmlns:mv="urn:schemas-microsoft-com:mac:vml" xmlns:p="http://schemas.openxmlformats.org/presentationml/2006/main" xmlns:c="http://schemas.openxmlformats.org/drawingml/2006/chart" xmlns:dgm="http://schemas.openxmlformats.org/drawingml/2006/diagram" xmlns:o="urn:schemas-microsoft-com:office:office" xmlns:v="urn:schemas-microsoft-com:vml" xmlns:pvml="urn:schemas-microsoft-com:office:powerpoint" xmlns:com="http://schemas.openxmlformats.org/drawingml/2006/compatibility" xmlns:p14="http://schemas.microsoft.com/office/powerpoint/2010/main" xmlns:p15="http://schemas.microsoft.com/office/powerpoint/2012/main" xmlns:ahyp="http://schemas.microsoft.com/office/drawing/2018/hyperlinkcolor" autoCompressPictures="0" embedTrueTypeFonts="1" strictFirstAndLastChars="0" saveSubsetFonts="1">
+<p:presentation xmlns:a="http://schemas.openxmlformats.org/drawingml/2006/main" xmlns:r="http://schemas.openxmlformats.org/officeDocument/2006/relationships" xmlns:mc="http://schemas.openxmlformats.org/markup-compatibility/2006" xmlns:mv="urn:schemas-microsoft-com:mac:vml" xmlns:p="http://schemas.openxmlformats.org/presentationml/2006/main" xmlns:c="http://schemas.openxmlformats.org/drawingml/2006/chart" xmlns:dgm="http://schemas.openxmlformats.org/drawingml/2006/diagram" xmlns:o="urn:schemas-microsoft-com:office:office" xmlns:v="urn:schemas-microsoft-com:vml" xmlns:pvml="urn:schemas-microsoft-com:office:powerpoint" xmlns:com="http://schemas.openxmlformats.org/drawingml/2006/compatibility" xmlns:p14="http://schemas.microsoft.com/office/powerpoint/2010/main" xmlns:p15="http://schemas.microsoft.com/office/powerpoint/2012/main" xmlns:ahyp="http://schemas.microsoft.com/office/drawing/2018/hyperlinkcolor" autoCompressPictures="0" embedTrueTypeFonts="1" strictFirstAndLastChars="0" saveSubsetFonts="1" showSpecialPlsOnTitleSld="0">
   <p:sldMasterIdLst>
     <p:sldMasterId id="2147483648" r:id="rId4"/>
   </p:sldMasterIdLst>
@@ -20,20 +20,16 @@
     <p:sldId id="265" r:id="rId15"/>
     <p:sldId id="266" r:id="rId16"/>
     <p:sldId id="267" r:id="rId17"/>
-    <p:sldId id="268" r:id="rId18"/>
-    <p:sldId id="269" r:id="rId19"/>
-    <p:sldId id="270" r:id="rId20"/>
-    <p:sldId id="271" r:id="rId21"/>
   </p:sldIdLst>
   <p:sldSz cy="5143500" cx="9144000"/>
   <p:notesSz cx="6858000" cy="9144000"/>
   <p:embeddedFontLst>
     <p:embeddedFont>
       <p:font typeface="Helvetica Neue"/>
-      <p:regular r:id="rId22"/>
-      <p:bold r:id="rId23"/>
-      <p:italic r:id="rId24"/>
-      <p:boldItalic r:id="rId25"/>
+      <p:regular r:id="rId18"/>
+      <p:bold r:id="rId19"/>
+      <p:italic r:id="rId20"/>
+      <p:boldItalic r:id="rId21"/>
     </p:embeddedFont>
   </p:embeddedFontLst>
   <p:defaultTextStyle>
@@ -267,7 +263,7 @@
   </p:defaultTextStyle>
   <p:extLst>
     <p:ext uri="GoogleSlidesCustomDataVersion2">
-      <go:slidesCustomData xmlns:go="http://customooxmlschemas.google.com/" r:id="rId26" roundtripDataSignature="AMtx7mgaewd2UDVF8Ia5C5rSLk0Q02l+gg=="/>
+      <go:slidesCustomData xmlns:go="http://customooxmlschemas.google.com/" r:id="rId22" roundtripDataSignature="AMtx7mhCgOqaxpmCykUHlDdZNWGEsxoixw=="/>
     </p:ext>
   </p:extLst>
 </p:presentation>
@@ -704,7 +700,7 @@
   <p:cSld>
     <p:spTree>
       <p:nvGrpSpPr>
-        <p:cNvPr id="51" name="Shape 51"/>
+        <p:cNvPr id="52" name="Shape 52"/>
         <p:cNvGrpSpPr/>
         <p:nvPr/>
       </p:nvGrpSpPr>
@@ -718,7 +714,7 @@
       </p:grpSpPr>
       <p:sp>
         <p:nvSpPr>
-          <p:cNvPr id="52" name="Google Shape;52;p1:notes"/>
+          <p:cNvPr id="53" name="Google Shape;53;p1:notes"/>
           <p:cNvSpPr txBox="1"/>
           <p:nvPr>
             <p:ph idx="1" type="body"/>
@@ -757,7 +753,7 @@
       </p:sp>
       <p:sp>
         <p:nvSpPr>
-          <p:cNvPr id="53" name="Google Shape;53;p1:notes"/>
+          <p:cNvPr id="54" name="Google Shape;54;p1:notes"/>
           <p:cNvSpPr/>
           <p:nvPr>
             <p:ph idx="2" type="sldImg"/>
@@ -803,7 +799,7 @@
   <p:cSld>
     <p:spTree>
       <p:nvGrpSpPr>
-        <p:cNvPr id="115" name="Shape 115"/>
+        <p:cNvPr id="130" name="Shape 130"/>
         <p:cNvGrpSpPr/>
         <p:nvPr/>
       </p:nvGrpSpPr>
@@ -817,7 +813,7 @@
       </p:grpSpPr>
       <p:sp>
         <p:nvSpPr>
-          <p:cNvPr id="116" name="Google Shape;116;g2b1c408bf32_0_40:notes"/>
+          <p:cNvPr id="131" name="Google Shape;131;g2b233881ffb_0_34:notes"/>
           <p:cNvSpPr/>
           <p:nvPr>
             <p:ph idx="2" type="sldImg"/>
@@ -852,7 +848,7 @@
       </p:sp>
       <p:sp>
         <p:nvSpPr>
-          <p:cNvPr id="117" name="Google Shape;117;g2b1c408bf32_0_40:notes"/>
+          <p:cNvPr id="132" name="Google Shape;132;g2b233881ffb_0_34:notes"/>
           <p:cNvSpPr txBox="1"/>
           <p:nvPr>
             <p:ph idx="1" type="body"/>
@@ -902,7 +898,7 @@
   <p:cSld>
     <p:spTree>
       <p:nvGrpSpPr>
-        <p:cNvPr id="121" name="Shape 121"/>
+        <p:cNvPr id="136" name="Shape 136"/>
         <p:cNvGrpSpPr/>
         <p:nvPr/>
       </p:nvGrpSpPr>
@@ -916,7 +912,7 @@
       </p:grpSpPr>
       <p:sp>
         <p:nvSpPr>
-          <p:cNvPr id="122" name="Google Shape;122;g2b1c408bf32_0_45:notes"/>
+          <p:cNvPr id="137" name="Google Shape;137;g2b1c408bf32_0_6:notes"/>
           <p:cNvSpPr/>
           <p:nvPr>
             <p:ph idx="2" type="sldImg"/>
@@ -951,7 +947,7 @@
       </p:sp>
       <p:sp>
         <p:nvSpPr>
-          <p:cNvPr id="123" name="Google Shape;123;g2b1c408bf32_0_45:notes"/>
+          <p:cNvPr id="138" name="Google Shape;138;g2b1c408bf32_0_6:notes"/>
           <p:cNvSpPr txBox="1"/>
           <p:nvPr>
             <p:ph idx="1" type="body"/>
@@ -1001,7 +997,7 @@
   <p:cSld>
     <p:spTree>
       <p:nvGrpSpPr>
-        <p:cNvPr id="128" name="Shape 128"/>
+        <p:cNvPr id="143" name="Shape 143"/>
         <p:cNvGrpSpPr/>
         <p:nvPr/>
       </p:nvGrpSpPr>
@@ -1015,7 +1011,7 @@
       </p:grpSpPr>
       <p:sp>
         <p:nvSpPr>
-          <p:cNvPr id="129" name="Google Shape;129;g2b1a236ad44_0_275:notes"/>
+          <p:cNvPr id="144" name="Google Shape;144;g2b1c408bf32_0_9:notes"/>
           <p:cNvSpPr/>
           <p:nvPr>
             <p:ph idx="2" type="sldImg"/>
@@ -1050,7 +1046,7 @@
       </p:sp>
       <p:sp>
         <p:nvSpPr>
-          <p:cNvPr id="130" name="Google Shape;130;g2b1a236ad44_0_275:notes"/>
+          <p:cNvPr id="145" name="Google Shape;145;g2b1c408bf32_0_9:notes"/>
           <p:cNvSpPr txBox="1"/>
           <p:nvPr>
             <p:ph idx="1" type="body"/>
@@ -1095,12 +1091,12 @@
 </p:notes>
 </file>
 
-<file path=ppt/notesSlides/notesSlide13.xml><?xml version="1.0" encoding="utf-8"?>
+<file path=ppt/notesSlides/notesSlide2.xml><?xml version="1.0" encoding="utf-8"?>
 <p:notes xmlns:a="http://schemas.openxmlformats.org/drawingml/2006/main" xmlns:r="http://schemas.openxmlformats.org/officeDocument/2006/relationships" xmlns:mc="http://schemas.openxmlformats.org/markup-compatibility/2006" xmlns:mv="urn:schemas-microsoft-com:mac:vml" xmlns:p="http://schemas.openxmlformats.org/presentationml/2006/main" xmlns:c="http://schemas.openxmlformats.org/drawingml/2006/chart" xmlns:dgm="http://schemas.openxmlformats.org/drawingml/2006/diagram" xmlns:o="urn:schemas-microsoft-com:office:office" xmlns:v="urn:schemas-microsoft-com:vml" xmlns:pvml="urn:schemas-microsoft-com:office:powerpoint" xmlns:com="http://schemas.openxmlformats.org/drawingml/2006/compatibility" xmlns:p14="http://schemas.microsoft.com/office/powerpoint/2010/main" xmlns:p15="http://schemas.microsoft.com/office/powerpoint/2012/main" xmlns:ahyp="http://schemas.microsoft.com/office/drawing/2018/hyperlinkcolor" showMasterPhAnim="0" showMasterSp="0">
   <p:cSld>
     <p:spTree>
       <p:nvGrpSpPr>
-        <p:cNvPr id="134" name="Shape 134"/>
+        <p:cNvPr id="62" name="Shape 62"/>
         <p:cNvGrpSpPr/>
         <p:nvPr/>
       </p:nvGrpSpPr>
@@ -1114,42 +1110,7 @@
       </p:grpSpPr>
       <p:sp>
         <p:nvSpPr>
-          <p:cNvPr id="135" name="Google Shape;135;g2b1c408bf32_0_62:notes"/>
-          <p:cNvSpPr/>
-          <p:nvPr>
-            <p:ph idx="2" type="sldImg"/>
-          </p:nvPr>
-        </p:nvSpPr>
-        <p:spPr>
-          <a:xfrm>
-            <a:off x="-1830215" y="685800"/>
-            <a:ext cx="10519200" cy="3429000"/>
-          </a:xfrm>
-          <a:custGeom>
-            <a:rect b="b" l="l" r="r" t="t"/>
-            <a:pathLst>
-              <a:path extrusionOk="0" h="120000" w="120000">
-                <a:moveTo>
-                  <a:pt x="0" y="0"/>
-                </a:moveTo>
-                <a:lnTo>
-                  <a:pt x="120000" y="0"/>
-                </a:lnTo>
-                <a:lnTo>
-                  <a:pt x="120000" y="120000"/>
-                </a:lnTo>
-                <a:lnTo>
-                  <a:pt x="0" y="120000"/>
-                </a:lnTo>
-                <a:close/>
-              </a:path>
-            </a:pathLst>
-          </a:custGeom>
-        </p:spPr>
-      </p:sp>
-      <p:sp>
-        <p:nvSpPr>
-          <p:cNvPr id="136" name="Google Shape;136;g2b1c408bf32_0_62:notes"/>
+          <p:cNvPr id="63" name="Google Shape;63;p2:notes"/>
           <p:cNvSpPr txBox="1"/>
           <p:nvPr>
             <p:ph idx="1" type="body"/>
@@ -1186,370 +1147,9 @@
           </a:p>
         </p:txBody>
       </p:sp>
-    </p:spTree>
-  </p:cSld>
-  <p:clrMapOvr>
-    <a:masterClrMapping/>
-  </p:clrMapOvr>
-</p:notes>
-</file>
-
-<file path=ppt/notesSlides/notesSlide14.xml><?xml version="1.0" encoding="utf-8"?>
-<p:notes xmlns:a="http://schemas.openxmlformats.org/drawingml/2006/main" xmlns:r="http://schemas.openxmlformats.org/officeDocument/2006/relationships" xmlns:mc="http://schemas.openxmlformats.org/markup-compatibility/2006" xmlns:mv="urn:schemas-microsoft-com:mac:vml" xmlns:p="http://schemas.openxmlformats.org/presentationml/2006/main" xmlns:c="http://schemas.openxmlformats.org/drawingml/2006/chart" xmlns:dgm="http://schemas.openxmlformats.org/drawingml/2006/diagram" xmlns:o="urn:schemas-microsoft-com:office:office" xmlns:v="urn:schemas-microsoft-com:vml" xmlns:pvml="urn:schemas-microsoft-com:office:powerpoint" xmlns:com="http://schemas.openxmlformats.org/drawingml/2006/compatibility" xmlns:p14="http://schemas.microsoft.com/office/powerpoint/2010/main" xmlns:p15="http://schemas.microsoft.com/office/powerpoint/2012/main" xmlns:ahyp="http://schemas.microsoft.com/office/drawing/2018/hyperlinkcolor" showMasterPhAnim="0" showMasterSp="0">
-  <p:cSld>
-    <p:spTree>
-      <p:nvGrpSpPr>
-        <p:cNvPr id="139" name="Shape 139"/>
-        <p:cNvGrpSpPr/>
-        <p:nvPr/>
-      </p:nvGrpSpPr>
-      <p:grpSpPr>
-        <a:xfrm>
-          <a:off x="0" y="0"/>
-          <a:ext cx="0" cy="0"/>
-          <a:chOff x="0" y="0"/>
-          <a:chExt cx="0" cy="0"/>
-        </a:xfrm>
-      </p:grpSpPr>
       <p:sp>
         <p:nvSpPr>
-          <p:cNvPr id="140" name="Google Shape;140;p4:notes"/>
-          <p:cNvSpPr txBox="1"/>
-          <p:nvPr>
-            <p:ph idx="1" type="body"/>
-          </p:nvPr>
-        </p:nvSpPr>
-        <p:spPr>
-          <a:xfrm>
-            <a:off x="685800" y="4343400"/>
-            <a:ext cx="5486400" cy="4114800"/>
-          </a:xfrm>
-          <a:prstGeom prst="rect">
-            <a:avLst/>
-          </a:prstGeom>
-        </p:spPr>
-        <p:txBody>
-          <a:bodyPr anchorCtr="0" anchor="t" bIns="91425" lIns="91425" spcFirstLastPara="1" rIns="91425" wrap="square" tIns="91425">
-            <a:noAutofit/>
-          </a:bodyPr>
-          <a:lstStyle/>
-          <a:p>
-            <a:pPr indent="0" lvl="0" marL="0" rtl="0" algn="l">
-              <a:spcBef>
-                <a:spcPts val="0"/>
-              </a:spcBef>
-              <a:spcAft>
-                <a:spcPts val="0"/>
-              </a:spcAft>
-              <a:buNone/>
-            </a:pPr>
-            <a:r>
-              <a:t/>
-            </a:r>
-            <a:endParaRPr/>
-          </a:p>
-        </p:txBody>
-      </p:sp>
-      <p:sp>
-        <p:nvSpPr>
-          <p:cNvPr id="141" name="Google Shape;141;p4:notes"/>
-          <p:cNvSpPr/>
-          <p:nvPr>
-            <p:ph idx="2" type="sldImg"/>
-          </p:nvPr>
-        </p:nvSpPr>
-        <p:spPr>
-          <a:xfrm>
-            <a:off x="-1830215" y="685800"/>
-            <a:ext cx="10519200" cy="3429000"/>
-          </a:xfrm>
-          <a:custGeom>
-            <a:rect b="b" l="l" r="r" t="t"/>
-            <a:pathLst>
-              <a:path extrusionOk="0" h="120000" w="120000">
-                <a:moveTo>
-                  <a:pt x="0" y="0"/>
-                </a:moveTo>
-                <a:lnTo>
-                  <a:pt x="120000" y="0"/>
-                </a:lnTo>
-                <a:lnTo>
-                  <a:pt x="120000" y="120000"/>
-                </a:lnTo>
-                <a:lnTo>
-                  <a:pt x="0" y="120000"/>
-                </a:lnTo>
-                <a:close/>
-              </a:path>
-            </a:pathLst>
-          </a:custGeom>
-        </p:spPr>
-      </p:sp>
-    </p:spTree>
-  </p:cSld>
-  <p:clrMapOvr>
-    <a:masterClrMapping/>
-  </p:clrMapOvr>
-</p:notes>
-</file>
-
-<file path=ppt/notesSlides/notesSlide15.xml><?xml version="1.0" encoding="utf-8"?>
-<p:notes xmlns:a="http://schemas.openxmlformats.org/drawingml/2006/main" xmlns:r="http://schemas.openxmlformats.org/officeDocument/2006/relationships" xmlns:mc="http://schemas.openxmlformats.org/markup-compatibility/2006" xmlns:mv="urn:schemas-microsoft-com:mac:vml" xmlns:p="http://schemas.openxmlformats.org/presentationml/2006/main" xmlns:c="http://schemas.openxmlformats.org/drawingml/2006/chart" xmlns:dgm="http://schemas.openxmlformats.org/drawingml/2006/diagram" xmlns:o="urn:schemas-microsoft-com:office:office" xmlns:v="urn:schemas-microsoft-com:vml" xmlns:pvml="urn:schemas-microsoft-com:office:powerpoint" xmlns:com="http://schemas.openxmlformats.org/drawingml/2006/compatibility" xmlns:p14="http://schemas.microsoft.com/office/powerpoint/2010/main" xmlns:p15="http://schemas.microsoft.com/office/powerpoint/2012/main" xmlns:ahyp="http://schemas.microsoft.com/office/drawing/2018/hyperlinkcolor" showMasterPhAnim="0" showMasterSp="0">
-  <p:cSld>
-    <p:spTree>
-      <p:nvGrpSpPr>
-        <p:cNvPr id="146" name="Shape 146"/>
-        <p:cNvGrpSpPr/>
-        <p:nvPr/>
-      </p:nvGrpSpPr>
-      <p:grpSpPr>
-        <a:xfrm>
-          <a:off x="0" y="0"/>
-          <a:ext cx="0" cy="0"/>
-          <a:chOff x="0" y="0"/>
-          <a:chExt cx="0" cy="0"/>
-        </a:xfrm>
-      </p:grpSpPr>
-      <p:sp>
-        <p:nvSpPr>
-          <p:cNvPr id="147" name="Google Shape;147;g2b1c408bf32_0_6:notes"/>
-          <p:cNvSpPr/>
-          <p:nvPr>
-            <p:ph idx="2" type="sldImg"/>
-          </p:nvPr>
-        </p:nvSpPr>
-        <p:spPr>
-          <a:xfrm>
-            <a:off x="-1830215" y="685800"/>
-            <a:ext cx="10519200" cy="3429000"/>
-          </a:xfrm>
-          <a:custGeom>
-            <a:rect b="b" l="l" r="r" t="t"/>
-            <a:pathLst>
-              <a:path extrusionOk="0" h="120000" w="120000">
-                <a:moveTo>
-                  <a:pt x="0" y="0"/>
-                </a:moveTo>
-                <a:lnTo>
-                  <a:pt x="120000" y="0"/>
-                </a:lnTo>
-                <a:lnTo>
-                  <a:pt x="120000" y="120000"/>
-                </a:lnTo>
-                <a:lnTo>
-                  <a:pt x="0" y="120000"/>
-                </a:lnTo>
-                <a:close/>
-              </a:path>
-            </a:pathLst>
-          </a:custGeom>
-        </p:spPr>
-      </p:sp>
-      <p:sp>
-        <p:nvSpPr>
-          <p:cNvPr id="148" name="Google Shape;148;g2b1c408bf32_0_6:notes"/>
-          <p:cNvSpPr txBox="1"/>
-          <p:nvPr>
-            <p:ph idx="1" type="body"/>
-          </p:nvPr>
-        </p:nvSpPr>
-        <p:spPr>
-          <a:xfrm>
-            <a:off x="685800" y="4343400"/>
-            <a:ext cx="5486400" cy="4114800"/>
-          </a:xfrm>
-          <a:prstGeom prst="rect">
-            <a:avLst/>
-          </a:prstGeom>
-        </p:spPr>
-        <p:txBody>
-          <a:bodyPr anchorCtr="0" anchor="t" bIns="91425" lIns="91425" spcFirstLastPara="1" rIns="91425" wrap="square" tIns="91425">
-            <a:noAutofit/>
-          </a:bodyPr>
-          <a:lstStyle/>
-          <a:p>
-            <a:pPr indent="0" lvl="0" marL="0" rtl="0" algn="l">
-              <a:spcBef>
-                <a:spcPts val="0"/>
-              </a:spcBef>
-              <a:spcAft>
-                <a:spcPts val="0"/>
-              </a:spcAft>
-              <a:buNone/>
-            </a:pPr>
-            <a:r>
-              <a:t/>
-            </a:r>
-            <a:endParaRPr/>
-          </a:p>
-        </p:txBody>
-      </p:sp>
-    </p:spTree>
-  </p:cSld>
-  <p:clrMapOvr>
-    <a:masterClrMapping/>
-  </p:clrMapOvr>
-</p:notes>
-</file>
-
-<file path=ppt/notesSlides/notesSlide16.xml><?xml version="1.0" encoding="utf-8"?>
-<p:notes xmlns:a="http://schemas.openxmlformats.org/drawingml/2006/main" xmlns:r="http://schemas.openxmlformats.org/officeDocument/2006/relationships" xmlns:mc="http://schemas.openxmlformats.org/markup-compatibility/2006" xmlns:mv="urn:schemas-microsoft-com:mac:vml" xmlns:p="http://schemas.openxmlformats.org/presentationml/2006/main" xmlns:c="http://schemas.openxmlformats.org/drawingml/2006/chart" xmlns:dgm="http://schemas.openxmlformats.org/drawingml/2006/diagram" xmlns:o="urn:schemas-microsoft-com:office:office" xmlns:v="urn:schemas-microsoft-com:vml" xmlns:pvml="urn:schemas-microsoft-com:office:powerpoint" xmlns:com="http://schemas.openxmlformats.org/drawingml/2006/compatibility" xmlns:p14="http://schemas.microsoft.com/office/powerpoint/2010/main" xmlns:p15="http://schemas.microsoft.com/office/powerpoint/2012/main" xmlns:ahyp="http://schemas.microsoft.com/office/drawing/2018/hyperlinkcolor" showMasterPhAnim="0" showMasterSp="0">
-  <p:cSld>
-    <p:spTree>
-      <p:nvGrpSpPr>
-        <p:cNvPr id="152" name="Shape 152"/>
-        <p:cNvGrpSpPr/>
-        <p:nvPr/>
-      </p:nvGrpSpPr>
-      <p:grpSpPr>
-        <a:xfrm>
-          <a:off x="0" y="0"/>
-          <a:ext cx="0" cy="0"/>
-          <a:chOff x="0" y="0"/>
-          <a:chExt cx="0" cy="0"/>
-        </a:xfrm>
-      </p:grpSpPr>
-      <p:sp>
-        <p:nvSpPr>
-          <p:cNvPr id="153" name="Google Shape;153;g2b1c408bf32_0_9:notes"/>
-          <p:cNvSpPr/>
-          <p:nvPr>
-            <p:ph idx="2" type="sldImg"/>
-          </p:nvPr>
-        </p:nvSpPr>
-        <p:spPr>
-          <a:xfrm>
-            <a:off x="-1830215" y="685800"/>
-            <a:ext cx="10519200" cy="3429000"/>
-          </a:xfrm>
-          <a:custGeom>
-            <a:rect b="b" l="l" r="r" t="t"/>
-            <a:pathLst>
-              <a:path extrusionOk="0" h="120000" w="120000">
-                <a:moveTo>
-                  <a:pt x="0" y="0"/>
-                </a:moveTo>
-                <a:lnTo>
-                  <a:pt x="120000" y="0"/>
-                </a:lnTo>
-                <a:lnTo>
-                  <a:pt x="120000" y="120000"/>
-                </a:lnTo>
-                <a:lnTo>
-                  <a:pt x="0" y="120000"/>
-                </a:lnTo>
-                <a:close/>
-              </a:path>
-            </a:pathLst>
-          </a:custGeom>
-        </p:spPr>
-      </p:sp>
-      <p:sp>
-        <p:nvSpPr>
-          <p:cNvPr id="154" name="Google Shape;154;g2b1c408bf32_0_9:notes"/>
-          <p:cNvSpPr txBox="1"/>
-          <p:nvPr>
-            <p:ph idx="1" type="body"/>
-          </p:nvPr>
-        </p:nvSpPr>
-        <p:spPr>
-          <a:xfrm>
-            <a:off x="685800" y="4343400"/>
-            <a:ext cx="5486400" cy="4114800"/>
-          </a:xfrm>
-          <a:prstGeom prst="rect">
-            <a:avLst/>
-          </a:prstGeom>
-        </p:spPr>
-        <p:txBody>
-          <a:bodyPr anchorCtr="0" anchor="t" bIns="91425" lIns="91425" spcFirstLastPara="1" rIns="91425" wrap="square" tIns="91425">
-            <a:noAutofit/>
-          </a:bodyPr>
-          <a:lstStyle/>
-          <a:p>
-            <a:pPr indent="0" lvl="0" marL="0" rtl="0" algn="l">
-              <a:spcBef>
-                <a:spcPts val="0"/>
-              </a:spcBef>
-              <a:spcAft>
-                <a:spcPts val="0"/>
-              </a:spcAft>
-              <a:buNone/>
-            </a:pPr>
-            <a:r>
-              <a:t/>
-            </a:r>
-            <a:endParaRPr/>
-          </a:p>
-        </p:txBody>
-      </p:sp>
-    </p:spTree>
-  </p:cSld>
-  <p:clrMapOvr>
-    <a:masterClrMapping/>
-  </p:clrMapOvr>
-</p:notes>
-</file>
-
-<file path=ppt/notesSlides/notesSlide2.xml><?xml version="1.0" encoding="utf-8"?>
-<p:notes xmlns:a="http://schemas.openxmlformats.org/drawingml/2006/main" xmlns:r="http://schemas.openxmlformats.org/officeDocument/2006/relationships" xmlns:mc="http://schemas.openxmlformats.org/markup-compatibility/2006" xmlns:mv="urn:schemas-microsoft-com:mac:vml" xmlns:p="http://schemas.openxmlformats.org/presentationml/2006/main" xmlns:c="http://schemas.openxmlformats.org/drawingml/2006/chart" xmlns:dgm="http://schemas.openxmlformats.org/drawingml/2006/diagram" xmlns:o="urn:schemas-microsoft-com:office:office" xmlns:v="urn:schemas-microsoft-com:vml" xmlns:pvml="urn:schemas-microsoft-com:office:powerpoint" xmlns:com="http://schemas.openxmlformats.org/drawingml/2006/compatibility" xmlns:p14="http://schemas.microsoft.com/office/powerpoint/2010/main" xmlns:p15="http://schemas.microsoft.com/office/powerpoint/2012/main" xmlns:ahyp="http://schemas.microsoft.com/office/drawing/2018/hyperlinkcolor" showMasterPhAnim="0" showMasterSp="0">
-  <p:cSld>
-    <p:spTree>
-      <p:nvGrpSpPr>
-        <p:cNvPr id="60" name="Shape 60"/>
-        <p:cNvGrpSpPr/>
-        <p:nvPr/>
-      </p:nvGrpSpPr>
-      <p:grpSpPr>
-        <a:xfrm>
-          <a:off x="0" y="0"/>
-          <a:ext cx="0" cy="0"/>
-          <a:chOff x="0" y="0"/>
-          <a:chExt cx="0" cy="0"/>
-        </a:xfrm>
-      </p:grpSpPr>
-      <p:sp>
-        <p:nvSpPr>
-          <p:cNvPr id="61" name="Google Shape;61;p2:notes"/>
-          <p:cNvSpPr txBox="1"/>
-          <p:nvPr>
-            <p:ph idx="1" type="body"/>
-          </p:nvPr>
-        </p:nvSpPr>
-        <p:spPr>
-          <a:xfrm>
-            <a:off x="685800" y="4343400"/>
-            <a:ext cx="5486400" cy="4114800"/>
-          </a:xfrm>
-          <a:prstGeom prst="rect">
-            <a:avLst/>
-          </a:prstGeom>
-        </p:spPr>
-        <p:txBody>
-          <a:bodyPr anchorCtr="0" anchor="t" bIns="91425" lIns="91425" spcFirstLastPara="1" rIns="91425" wrap="square" tIns="91425">
-            <a:noAutofit/>
-          </a:bodyPr>
-          <a:lstStyle/>
-          <a:p>
-            <a:pPr indent="0" lvl="0" marL="0" rtl="0" algn="l">
-              <a:spcBef>
-                <a:spcPts val="0"/>
-              </a:spcBef>
-              <a:spcAft>
-                <a:spcPts val="0"/>
-              </a:spcAft>
-              <a:buNone/>
-            </a:pPr>
-            <a:r>
-              <a:t/>
-            </a:r>
-            <a:endParaRPr/>
-          </a:p>
-        </p:txBody>
-      </p:sp>
-      <p:sp>
-        <p:nvSpPr>
-          <p:cNvPr id="62" name="Google Shape;62;p2:notes"/>
+          <p:cNvPr id="64" name="Google Shape;64;p2:notes"/>
           <p:cNvSpPr/>
           <p:nvPr>
             <p:ph idx="2" type="sldImg"/>
@@ -1595,7 +1195,7 @@
   <p:cSld>
     <p:spTree>
       <p:nvGrpSpPr>
-        <p:cNvPr id="68" name="Shape 68"/>
+        <p:cNvPr id="70" name="Shape 70"/>
         <p:cNvGrpSpPr/>
         <p:nvPr/>
       </p:nvGrpSpPr>
@@ -1609,7 +1209,7 @@
       </p:grpSpPr>
       <p:sp>
         <p:nvSpPr>
-          <p:cNvPr id="69" name="Google Shape;69;g2b1a236ad44_0_264:notes"/>
+          <p:cNvPr id="71" name="Google Shape;71;g2b1a236ad44_0_264:notes"/>
           <p:cNvSpPr/>
           <p:nvPr>
             <p:ph idx="2" type="sldImg"/>
@@ -1644,7 +1244,7 @@
       </p:sp>
       <p:sp>
         <p:nvSpPr>
-          <p:cNvPr id="70" name="Google Shape;70;g2b1a236ad44_0_264:notes"/>
+          <p:cNvPr id="72" name="Google Shape;72;g2b1a236ad44_0_264:notes"/>
           <p:cNvSpPr txBox="1"/>
           <p:nvPr>
             <p:ph idx="1" type="body"/>
@@ -1694,7 +1294,7 @@
   <p:cSld>
     <p:spTree>
       <p:nvGrpSpPr>
-        <p:cNvPr id="75" name="Shape 75"/>
+        <p:cNvPr id="78" name="Shape 78"/>
         <p:cNvGrpSpPr/>
         <p:nvPr/>
       </p:nvGrpSpPr>
@@ -1708,7 +1308,7 @@
       </p:grpSpPr>
       <p:sp>
         <p:nvSpPr>
-          <p:cNvPr id="76" name="Google Shape;76;g2b1c408bf32_0_0:notes"/>
+          <p:cNvPr id="79" name="Google Shape;79;g2b1c408bf32_0_0:notes"/>
           <p:cNvSpPr/>
           <p:nvPr>
             <p:ph idx="2" type="sldImg"/>
@@ -1743,7 +1343,7 @@
       </p:sp>
       <p:sp>
         <p:nvSpPr>
-          <p:cNvPr id="77" name="Google Shape;77;g2b1c408bf32_0_0:notes"/>
+          <p:cNvPr id="80" name="Google Shape;80;g2b1c408bf32_0_0:notes"/>
           <p:cNvSpPr txBox="1"/>
           <p:nvPr>
             <p:ph idx="1" type="body"/>
@@ -1793,7 +1393,7 @@
   <p:cSld>
     <p:spTree>
       <p:nvGrpSpPr>
-        <p:cNvPr id="81" name="Shape 81"/>
+        <p:cNvPr id="86" name="Shape 86"/>
         <p:cNvGrpSpPr/>
         <p:nvPr/>
       </p:nvGrpSpPr>
@@ -1807,7 +1407,7 @@
       </p:grpSpPr>
       <p:sp>
         <p:nvSpPr>
-          <p:cNvPr id="82" name="Google Shape;82;g2b1a236ad44_0_248:notes"/>
+          <p:cNvPr id="87" name="Google Shape;87;g2b1a236ad44_0_248:notes"/>
           <p:cNvSpPr txBox="1"/>
           <p:nvPr>
             <p:ph idx="1" type="body"/>
@@ -1846,7 +1446,7 @@
       </p:sp>
       <p:sp>
         <p:nvSpPr>
-          <p:cNvPr id="83" name="Google Shape;83;g2b1a236ad44_0_248:notes"/>
+          <p:cNvPr id="88" name="Google Shape;88;g2b1a236ad44_0_248:notes"/>
           <p:cNvSpPr/>
           <p:nvPr>
             <p:ph idx="2" type="sldImg"/>
@@ -1892,7 +1492,7 @@
   <p:cSld>
     <p:spTree>
       <p:nvGrpSpPr>
-        <p:cNvPr id="88" name="Shape 88"/>
+        <p:cNvPr id="94" name="Shape 94"/>
         <p:cNvGrpSpPr/>
         <p:nvPr/>
       </p:nvGrpSpPr>
@@ -1906,7 +1506,7 @@
       </p:grpSpPr>
       <p:sp>
         <p:nvSpPr>
-          <p:cNvPr id="89" name="Google Shape;89;g2b1a236ad44_0_255:notes"/>
+          <p:cNvPr id="95" name="Google Shape;95;g2b1a236ad44_0_255:notes"/>
           <p:cNvSpPr txBox="1"/>
           <p:nvPr>
             <p:ph idx="1" type="body"/>
@@ -1945,7 +1545,7 @@
       </p:sp>
       <p:sp>
         <p:nvSpPr>
-          <p:cNvPr id="90" name="Google Shape;90;g2b1a236ad44_0_255:notes"/>
+          <p:cNvPr id="96" name="Google Shape;96;g2b1a236ad44_0_255:notes"/>
           <p:cNvSpPr/>
           <p:nvPr>
             <p:ph idx="2" type="sldImg"/>
@@ -1991,204 +1591,6 @@
   <p:cSld>
     <p:spTree>
       <p:nvGrpSpPr>
-        <p:cNvPr id="95" name="Shape 95"/>
-        <p:cNvGrpSpPr/>
-        <p:nvPr/>
-      </p:nvGrpSpPr>
-      <p:grpSpPr>
-        <a:xfrm>
-          <a:off x="0" y="0"/>
-          <a:ext cx="0" cy="0"/>
-          <a:chOff x="0" y="0"/>
-          <a:chExt cx="0" cy="0"/>
-        </a:xfrm>
-      </p:grpSpPr>
-      <p:sp>
-        <p:nvSpPr>
-          <p:cNvPr id="96" name="Google Shape;96;g2b1c408bf32_0_20:notes"/>
-          <p:cNvSpPr/>
-          <p:nvPr>
-            <p:ph idx="2" type="sldImg"/>
-          </p:nvPr>
-        </p:nvSpPr>
-        <p:spPr>
-          <a:xfrm>
-            <a:off x="-1830215" y="685800"/>
-            <a:ext cx="10519200" cy="3429000"/>
-          </a:xfrm>
-          <a:custGeom>
-            <a:rect b="b" l="l" r="r" t="t"/>
-            <a:pathLst>
-              <a:path extrusionOk="0" h="120000" w="120000">
-                <a:moveTo>
-                  <a:pt x="0" y="0"/>
-                </a:moveTo>
-                <a:lnTo>
-                  <a:pt x="120000" y="0"/>
-                </a:lnTo>
-                <a:lnTo>
-                  <a:pt x="120000" y="120000"/>
-                </a:lnTo>
-                <a:lnTo>
-                  <a:pt x="0" y="120000"/>
-                </a:lnTo>
-                <a:close/>
-              </a:path>
-            </a:pathLst>
-          </a:custGeom>
-        </p:spPr>
-      </p:sp>
-      <p:sp>
-        <p:nvSpPr>
-          <p:cNvPr id="97" name="Google Shape;97;g2b1c408bf32_0_20:notes"/>
-          <p:cNvSpPr txBox="1"/>
-          <p:nvPr>
-            <p:ph idx="1" type="body"/>
-          </p:nvPr>
-        </p:nvSpPr>
-        <p:spPr>
-          <a:xfrm>
-            <a:off x="685800" y="4343400"/>
-            <a:ext cx="5486400" cy="4114800"/>
-          </a:xfrm>
-          <a:prstGeom prst="rect">
-            <a:avLst/>
-          </a:prstGeom>
-        </p:spPr>
-        <p:txBody>
-          <a:bodyPr anchorCtr="0" anchor="t" bIns="91425" lIns="91425" spcFirstLastPara="1" rIns="91425" wrap="square" tIns="91425">
-            <a:noAutofit/>
-          </a:bodyPr>
-          <a:lstStyle/>
-          <a:p>
-            <a:pPr indent="0" lvl="0" marL="0" rtl="0" algn="l">
-              <a:spcBef>
-                <a:spcPts val="0"/>
-              </a:spcBef>
-              <a:spcAft>
-                <a:spcPts val="0"/>
-              </a:spcAft>
-              <a:buNone/>
-            </a:pPr>
-            <a:r>
-              <a:t/>
-            </a:r>
-            <a:endParaRPr/>
-          </a:p>
-        </p:txBody>
-      </p:sp>
-    </p:spTree>
-  </p:cSld>
-  <p:clrMapOvr>
-    <a:masterClrMapping/>
-  </p:clrMapOvr>
-</p:notes>
-</file>
-
-<file path=ppt/notesSlides/notesSlide8.xml><?xml version="1.0" encoding="utf-8"?>
-<p:notes xmlns:a="http://schemas.openxmlformats.org/drawingml/2006/main" xmlns:r="http://schemas.openxmlformats.org/officeDocument/2006/relationships" xmlns:mc="http://schemas.openxmlformats.org/markup-compatibility/2006" xmlns:mv="urn:schemas-microsoft-com:mac:vml" xmlns:p="http://schemas.openxmlformats.org/presentationml/2006/main" xmlns:c="http://schemas.openxmlformats.org/drawingml/2006/chart" xmlns:dgm="http://schemas.openxmlformats.org/drawingml/2006/diagram" xmlns:o="urn:schemas-microsoft-com:office:office" xmlns:v="urn:schemas-microsoft-com:vml" xmlns:pvml="urn:schemas-microsoft-com:office:powerpoint" xmlns:com="http://schemas.openxmlformats.org/drawingml/2006/compatibility" xmlns:p14="http://schemas.microsoft.com/office/powerpoint/2010/main" xmlns:p15="http://schemas.microsoft.com/office/powerpoint/2012/main" xmlns:ahyp="http://schemas.microsoft.com/office/drawing/2018/hyperlinkcolor" showMasterPhAnim="0" showMasterSp="0">
-  <p:cSld>
-    <p:spTree>
-      <p:nvGrpSpPr>
-        <p:cNvPr id="102" name="Shape 102"/>
-        <p:cNvGrpSpPr/>
-        <p:nvPr/>
-      </p:nvGrpSpPr>
-      <p:grpSpPr>
-        <a:xfrm>
-          <a:off x="0" y="0"/>
-          <a:ext cx="0" cy="0"/>
-          <a:chOff x="0" y="0"/>
-          <a:chExt cx="0" cy="0"/>
-        </a:xfrm>
-      </p:grpSpPr>
-      <p:sp>
-        <p:nvSpPr>
-          <p:cNvPr id="103" name="Google Shape;103;g2b1c408bf32_0_25:notes"/>
-          <p:cNvSpPr/>
-          <p:nvPr>
-            <p:ph idx="2" type="sldImg"/>
-          </p:nvPr>
-        </p:nvSpPr>
-        <p:spPr>
-          <a:xfrm>
-            <a:off x="-1830215" y="685800"/>
-            <a:ext cx="10519200" cy="3429000"/>
-          </a:xfrm>
-          <a:custGeom>
-            <a:rect b="b" l="l" r="r" t="t"/>
-            <a:pathLst>
-              <a:path extrusionOk="0" h="120000" w="120000">
-                <a:moveTo>
-                  <a:pt x="0" y="0"/>
-                </a:moveTo>
-                <a:lnTo>
-                  <a:pt x="120000" y="0"/>
-                </a:lnTo>
-                <a:lnTo>
-                  <a:pt x="120000" y="120000"/>
-                </a:lnTo>
-                <a:lnTo>
-                  <a:pt x="0" y="120000"/>
-                </a:lnTo>
-                <a:close/>
-              </a:path>
-            </a:pathLst>
-          </a:custGeom>
-        </p:spPr>
-      </p:sp>
-      <p:sp>
-        <p:nvSpPr>
-          <p:cNvPr id="104" name="Google Shape;104;g2b1c408bf32_0_25:notes"/>
-          <p:cNvSpPr txBox="1"/>
-          <p:nvPr>
-            <p:ph idx="1" type="body"/>
-          </p:nvPr>
-        </p:nvSpPr>
-        <p:spPr>
-          <a:xfrm>
-            <a:off x="685800" y="4343400"/>
-            <a:ext cx="5486400" cy="4114800"/>
-          </a:xfrm>
-          <a:prstGeom prst="rect">
-            <a:avLst/>
-          </a:prstGeom>
-        </p:spPr>
-        <p:txBody>
-          <a:bodyPr anchorCtr="0" anchor="t" bIns="91425" lIns="91425" spcFirstLastPara="1" rIns="91425" wrap="square" tIns="91425">
-            <a:noAutofit/>
-          </a:bodyPr>
-          <a:lstStyle/>
-          <a:p>
-            <a:pPr indent="0" lvl="0" marL="0" rtl="0" algn="l">
-              <a:spcBef>
-                <a:spcPts val="0"/>
-              </a:spcBef>
-              <a:spcAft>
-                <a:spcPts val="0"/>
-              </a:spcAft>
-              <a:buNone/>
-            </a:pPr>
-            <a:r>
-              <a:t/>
-            </a:r>
-            <a:endParaRPr/>
-          </a:p>
-        </p:txBody>
-      </p:sp>
-    </p:spTree>
-  </p:cSld>
-  <p:clrMapOvr>
-    <a:masterClrMapping/>
-  </p:clrMapOvr>
-</p:notes>
-</file>
-
-<file path=ppt/notesSlides/notesSlide9.xml><?xml version="1.0" encoding="utf-8"?>
-<p:notes xmlns:a="http://schemas.openxmlformats.org/drawingml/2006/main" xmlns:r="http://schemas.openxmlformats.org/officeDocument/2006/relationships" xmlns:mc="http://schemas.openxmlformats.org/markup-compatibility/2006" xmlns:mv="urn:schemas-microsoft-com:mac:vml" xmlns:p="http://schemas.openxmlformats.org/presentationml/2006/main" xmlns:c="http://schemas.openxmlformats.org/drawingml/2006/chart" xmlns:dgm="http://schemas.openxmlformats.org/drawingml/2006/diagram" xmlns:o="urn:schemas-microsoft-com:office:office" xmlns:v="urn:schemas-microsoft-com:vml" xmlns:pvml="urn:schemas-microsoft-com:office:powerpoint" xmlns:com="http://schemas.openxmlformats.org/drawingml/2006/compatibility" xmlns:p14="http://schemas.microsoft.com/office/powerpoint/2010/main" xmlns:p15="http://schemas.microsoft.com/office/powerpoint/2012/main" xmlns:ahyp="http://schemas.microsoft.com/office/drawing/2018/hyperlinkcolor" showMasterPhAnim="0" showMasterSp="0">
-  <p:cSld>
-    <p:spTree>
-      <p:nvGrpSpPr>
         <p:cNvPr id="108" name="Shape 108"/>
         <p:cNvGrpSpPr/>
         <p:nvPr/>
@@ -2243,6 +1645,204 @@
       <p:sp>
         <p:nvSpPr>
           <p:cNvPr id="110" name="Google Shape;110;p3:notes"/>
+          <p:cNvSpPr/>
+          <p:nvPr>
+            <p:ph idx="2" type="sldImg"/>
+          </p:nvPr>
+        </p:nvSpPr>
+        <p:spPr>
+          <a:xfrm>
+            <a:off x="-1830215" y="685800"/>
+            <a:ext cx="10519200" cy="3429000"/>
+          </a:xfrm>
+          <a:custGeom>
+            <a:rect b="b" l="l" r="r" t="t"/>
+            <a:pathLst>
+              <a:path extrusionOk="0" h="120000" w="120000">
+                <a:moveTo>
+                  <a:pt x="0" y="0"/>
+                </a:moveTo>
+                <a:lnTo>
+                  <a:pt x="120000" y="0"/>
+                </a:lnTo>
+                <a:lnTo>
+                  <a:pt x="120000" y="120000"/>
+                </a:lnTo>
+                <a:lnTo>
+                  <a:pt x="0" y="120000"/>
+                </a:lnTo>
+                <a:close/>
+              </a:path>
+            </a:pathLst>
+          </a:custGeom>
+        </p:spPr>
+      </p:sp>
+    </p:spTree>
+  </p:cSld>
+  <p:clrMapOvr>
+    <a:masterClrMapping/>
+  </p:clrMapOvr>
+</p:notes>
+</file>
+
+<file path=ppt/notesSlides/notesSlide8.xml><?xml version="1.0" encoding="utf-8"?>
+<p:notes xmlns:a="http://schemas.openxmlformats.org/drawingml/2006/main" xmlns:r="http://schemas.openxmlformats.org/officeDocument/2006/relationships" xmlns:mc="http://schemas.openxmlformats.org/markup-compatibility/2006" xmlns:mv="urn:schemas-microsoft-com:mac:vml" xmlns:p="http://schemas.openxmlformats.org/presentationml/2006/main" xmlns:c="http://schemas.openxmlformats.org/drawingml/2006/chart" xmlns:dgm="http://schemas.openxmlformats.org/drawingml/2006/diagram" xmlns:o="urn:schemas-microsoft-com:office:office" xmlns:v="urn:schemas-microsoft-com:vml" xmlns:pvml="urn:schemas-microsoft-com:office:powerpoint" xmlns:com="http://schemas.openxmlformats.org/drawingml/2006/compatibility" xmlns:p14="http://schemas.microsoft.com/office/powerpoint/2010/main" xmlns:p15="http://schemas.microsoft.com/office/powerpoint/2012/main" xmlns:ahyp="http://schemas.microsoft.com/office/drawing/2018/hyperlinkcolor" showMasterPhAnim="0" showMasterSp="0">
+  <p:cSld>
+    <p:spTree>
+      <p:nvGrpSpPr>
+        <p:cNvPr id="116" name="Shape 116"/>
+        <p:cNvGrpSpPr/>
+        <p:nvPr/>
+      </p:nvGrpSpPr>
+      <p:grpSpPr>
+        <a:xfrm>
+          <a:off x="0" y="0"/>
+          <a:ext cx="0" cy="0"/>
+          <a:chOff x="0" y="0"/>
+          <a:chExt cx="0" cy="0"/>
+        </a:xfrm>
+      </p:grpSpPr>
+      <p:sp>
+        <p:nvSpPr>
+          <p:cNvPr id="117" name="Google Shape;117;g2b1c408bf32_0_62:notes"/>
+          <p:cNvSpPr/>
+          <p:nvPr>
+            <p:ph idx="2" type="sldImg"/>
+          </p:nvPr>
+        </p:nvSpPr>
+        <p:spPr>
+          <a:xfrm>
+            <a:off x="-1830215" y="685800"/>
+            <a:ext cx="10519200" cy="3429000"/>
+          </a:xfrm>
+          <a:custGeom>
+            <a:rect b="b" l="l" r="r" t="t"/>
+            <a:pathLst>
+              <a:path extrusionOk="0" h="120000" w="120000">
+                <a:moveTo>
+                  <a:pt x="0" y="0"/>
+                </a:moveTo>
+                <a:lnTo>
+                  <a:pt x="120000" y="0"/>
+                </a:lnTo>
+                <a:lnTo>
+                  <a:pt x="120000" y="120000"/>
+                </a:lnTo>
+                <a:lnTo>
+                  <a:pt x="0" y="120000"/>
+                </a:lnTo>
+                <a:close/>
+              </a:path>
+            </a:pathLst>
+          </a:custGeom>
+        </p:spPr>
+      </p:sp>
+      <p:sp>
+        <p:nvSpPr>
+          <p:cNvPr id="118" name="Google Shape;118;g2b1c408bf32_0_62:notes"/>
+          <p:cNvSpPr txBox="1"/>
+          <p:nvPr>
+            <p:ph idx="1" type="body"/>
+          </p:nvPr>
+        </p:nvSpPr>
+        <p:spPr>
+          <a:xfrm>
+            <a:off x="685800" y="4343400"/>
+            <a:ext cx="5486400" cy="4114800"/>
+          </a:xfrm>
+          <a:prstGeom prst="rect">
+            <a:avLst/>
+          </a:prstGeom>
+        </p:spPr>
+        <p:txBody>
+          <a:bodyPr anchorCtr="0" anchor="t" bIns="91425" lIns="91425" spcFirstLastPara="1" rIns="91425" wrap="square" tIns="91425">
+            <a:noAutofit/>
+          </a:bodyPr>
+          <a:lstStyle/>
+          <a:p>
+            <a:pPr indent="0" lvl="0" marL="0" rtl="0" algn="l">
+              <a:spcBef>
+                <a:spcPts val="0"/>
+              </a:spcBef>
+              <a:spcAft>
+                <a:spcPts val="0"/>
+              </a:spcAft>
+              <a:buNone/>
+            </a:pPr>
+            <a:r>
+              <a:t/>
+            </a:r>
+            <a:endParaRPr/>
+          </a:p>
+        </p:txBody>
+      </p:sp>
+    </p:spTree>
+  </p:cSld>
+  <p:clrMapOvr>
+    <a:masterClrMapping/>
+  </p:clrMapOvr>
+</p:notes>
+</file>
+
+<file path=ppt/notesSlides/notesSlide9.xml><?xml version="1.0" encoding="utf-8"?>
+<p:notes xmlns:a="http://schemas.openxmlformats.org/drawingml/2006/main" xmlns:r="http://schemas.openxmlformats.org/officeDocument/2006/relationships" xmlns:mc="http://schemas.openxmlformats.org/markup-compatibility/2006" xmlns:mv="urn:schemas-microsoft-com:mac:vml" xmlns:p="http://schemas.openxmlformats.org/presentationml/2006/main" xmlns:c="http://schemas.openxmlformats.org/drawingml/2006/chart" xmlns:dgm="http://schemas.openxmlformats.org/drawingml/2006/diagram" xmlns:o="urn:schemas-microsoft-com:office:office" xmlns:v="urn:schemas-microsoft-com:vml" xmlns:pvml="urn:schemas-microsoft-com:office:powerpoint" xmlns:com="http://schemas.openxmlformats.org/drawingml/2006/compatibility" xmlns:p14="http://schemas.microsoft.com/office/powerpoint/2010/main" xmlns:p15="http://schemas.microsoft.com/office/powerpoint/2012/main" xmlns:ahyp="http://schemas.microsoft.com/office/drawing/2018/hyperlinkcolor" showMasterPhAnim="0" showMasterSp="0">
+  <p:cSld>
+    <p:spTree>
+      <p:nvGrpSpPr>
+        <p:cNvPr id="122" name="Shape 122"/>
+        <p:cNvGrpSpPr/>
+        <p:nvPr/>
+      </p:nvGrpSpPr>
+      <p:grpSpPr>
+        <a:xfrm>
+          <a:off x="0" y="0"/>
+          <a:ext cx="0" cy="0"/>
+          <a:chOff x="0" y="0"/>
+          <a:chExt cx="0" cy="0"/>
+        </a:xfrm>
+      </p:grpSpPr>
+      <p:sp>
+        <p:nvSpPr>
+          <p:cNvPr id="123" name="Google Shape;123;p4:notes"/>
+          <p:cNvSpPr txBox="1"/>
+          <p:nvPr>
+            <p:ph idx="1" type="body"/>
+          </p:nvPr>
+        </p:nvSpPr>
+        <p:spPr>
+          <a:xfrm>
+            <a:off x="685800" y="4343400"/>
+            <a:ext cx="5486400" cy="4114800"/>
+          </a:xfrm>
+          <a:prstGeom prst="rect">
+            <a:avLst/>
+          </a:prstGeom>
+        </p:spPr>
+        <p:txBody>
+          <a:bodyPr anchorCtr="0" anchor="t" bIns="91425" lIns="91425" spcFirstLastPara="1" rIns="91425" wrap="square" tIns="91425">
+            <a:noAutofit/>
+          </a:bodyPr>
+          <a:lstStyle/>
+          <a:p>
+            <a:pPr indent="0" lvl="0" marL="0" rtl="0" algn="l">
+              <a:spcBef>
+                <a:spcPts val="0"/>
+              </a:spcBef>
+              <a:spcAft>
+                <a:spcPts val="0"/>
+              </a:spcAft>
+              <a:buNone/>
+            </a:pPr>
+            <a:r>
+              <a:t/>
+            </a:r>
+            <a:endParaRPr/>
+          </a:p>
+        </p:txBody>
+      </p:sp>
+      <p:sp>
+        <p:nvSpPr>
+          <p:cNvPr id="124" name="Google Shape;124;p4:notes"/>
           <p:cNvSpPr/>
           <p:nvPr>
             <p:ph idx="2" type="sldImg"/>
@@ -3137,6 +2737,83 @@
           <a:chExt cx="0" cy="0"/>
         </a:xfrm>
       </p:grpSpPr>
+      <p:sp>
+        <p:nvSpPr>
+          <p:cNvPr id="51" name="Google Shape;51;g2b1a236ad44_0_243"/>
+          <p:cNvSpPr txBox="1"/>
+          <p:nvPr>
+            <p:ph idx="12" type="sldNum"/>
+          </p:nvPr>
+        </p:nvSpPr>
+        <p:spPr>
+          <a:xfrm>
+            <a:off x="8556784" y="4749851"/>
+            <a:ext cx="548700" cy="393600"/>
+          </a:xfrm>
+          <a:prstGeom prst="rect">
+            <a:avLst/>
+          </a:prstGeom>
+        </p:spPr>
+        <p:txBody>
+          <a:bodyPr anchorCtr="0" anchor="t" bIns="91425" lIns="91425" spcFirstLastPara="1" rIns="91425" wrap="square" tIns="91425">
+            <a:normAutofit/>
+          </a:bodyPr>
+          <a:lstStyle>
+            <a:lvl1pPr lvl="0">
+              <a:buNone/>
+              <a:defRPr sz="1300"/>
+            </a:lvl1pPr>
+            <a:lvl2pPr lvl="1">
+              <a:buNone/>
+              <a:defRPr sz="1300"/>
+            </a:lvl2pPr>
+            <a:lvl3pPr lvl="2">
+              <a:buNone/>
+              <a:defRPr sz="1300"/>
+            </a:lvl3pPr>
+            <a:lvl4pPr lvl="3">
+              <a:buNone/>
+              <a:defRPr sz="1300"/>
+            </a:lvl4pPr>
+            <a:lvl5pPr lvl="4">
+              <a:buNone/>
+              <a:defRPr sz="1300"/>
+            </a:lvl5pPr>
+            <a:lvl6pPr lvl="5">
+              <a:buNone/>
+              <a:defRPr sz="1300"/>
+            </a:lvl6pPr>
+            <a:lvl7pPr lvl="6">
+              <a:buNone/>
+              <a:defRPr sz="1300"/>
+            </a:lvl7pPr>
+            <a:lvl8pPr lvl="7">
+              <a:buNone/>
+              <a:defRPr sz="1300"/>
+            </a:lvl8pPr>
+            <a:lvl9pPr lvl="8">
+              <a:buNone/>
+              <a:defRPr sz="1300"/>
+            </a:lvl9pPr>
+          </a:lstStyle>
+          <a:p>
+            <a:pPr indent="0" lvl="0" marL="0" rtl="0" algn="r">
+              <a:spcBef>
+                <a:spcPts val="0"/>
+              </a:spcBef>
+              <a:spcAft>
+                <a:spcPts val="0"/>
+              </a:spcAft>
+              <a:buNone/>
+            </a:pPr>
+            <a:fld id="{00000000-1234-1234-1234-123412341234}" type="slidenum">
+              <a:rPr lang="en-US"/>
+              <a:t>‹#›</a:t>
+            </a:fld>
+            <a:endParaRPr/>
+          </a:p>
+        </p:txBody>
+      </p:sp>
     </p:spTree>
   </p:cSld>
   <p:clrMapOvr>
@@ -6265,7 +5942,7 @@
     <p:sldLayoutId id="2147483659" r:id="rId11"/>
     <p:sldLayoutId id="2147483660" r:id="rId12"/>
   </p:sldLayoutIdLst>
-  <p:hf dt="0" ftr="0" hdr="0" sldNum="0"/>
+  <p:hf dt="0" ftr="0" hdr="0"/>
   <p:txStyles>
     <p:titleStyle>
       <a:defPPr lvl="0" marR="0" rtl="0" algn="l">
@@ -6970,7 +6647,7 @@
     </p:bg>
     <p:spTree>
       <p:nvGrpSpPr>
-        <p:cNvPr id="54" name="Shape 54"/>
+        <p:cNvPr id="55" name="Shape 55"/>
         <p:cNvGrpSpPr/>
         <p:nvPr/>
       </p:nvGrpSpPr>
@@ -6984,7 +6661,7 @@
       </p:grpSpPr>
       <p:pic>
         <p:nvPicPr>
-          <p:cNvPr id="55" name="Google Shape;55;p1"/>
+          <p:cNvPr id="56" name="Google Shape;56;p1"/>
           <p:cNvPicPr preferRelativeResize="0"/>
           <p:nvPr/>
         </p:nvPicPr>
@@ -7011,7 +6688,7 @@
       </p:pic>
       <p:sp>
         <p:nvSpPr>
-          <p:cNvPr id="56" name="Google Shape;56;p1"/>
+          <p:cNvPr id="57" name="Google Shape;57;p1"/>
           <p:cNvSpPr/>
           <p:nvPr/>
         </p:nvSpPr>
@@ -7147,7 +6824,7 @@
       </p:sp>
       <p:sp>
         <p:nvSpPr>
-          <p:cNvPr id="57" name="Google Shape;57;p1"/>
+          <p:cNvPr id="58" name="Google Shape;58;p1"/>
           <p:cNvSpPr/>
           <p:nvPr/>
         </p:nvSpPr>
@@ -7298,7 +6975,7 @@
       </p:sp>
       <p:sp>
         <p:nvSpPr>
-          <p:cNvPr id="58" name="Google Shape;58;p1"/>
+          <p:cNvPr id="59" name="Google Shape;59;p1"/>
           <p:cNvSpPr/>
           <p:nvPr/>
         </p:nvSpPr>
@@ -7365,7 +7042,7 @@
       </p:sp>
       <p:graphicFrame>
         <p:nvGraphicFramePr>
-          <p:cNvPr id="59" name="Google Shape;59;p1"/>
+          <p:cNvPr id="60" name="Google Shape;60;p1"/>
           <p:cNvGraphicFramePr/>
           <p:nvPr/>
         </p:nvGraphicFramePr>
@@ -7378,7 +7055,7 @@
             <a:tbl>
               <a:tblPr>
                 <a:noFill/>
-                <a:tableStyleId>{8CF5C77F-CC03-4983-B528-F3E49778EFF6}</a:tableStyleId>
+                <a:tableStyleId>{93C7D498-B76E-4DAF-A6B0-7B7F7BAAA935}</a:tableStyleId>
               </a:tblPr>
               <a:tblGrid>
                 <a:gridCol w="4034775"/>
@@ -7756,6 +7433,46 @@
           </a:graphicData>
         </a:graphic>
       </p:graphicFrame>
+      <p:sp>
+        <p:nvSpPr>
+          <p:cNvPr id="61" name="Google Shape;61;p1"/>
+          <p:cNvSpPr txBox="1"/>
+          <p:nvPr>
+            <p:ph idx="12" type="sldNum"/>
+          </p:nvPr>
+        </p:nvSpPr>
+        <p:spPr>
+          <a:xfrm>
+            <a:off x="8556784" y="4749851"/>
+            <a:ext cx="548700" cy="393600"/>
+          </a:xfrm>
+          <a:prstGeom prst="rect">
+            <a:avLst/>
+          </a:prstGeom>
+        </p:spPr>
+        <p:txBody>
+          <a:bodyPr anchorCtr="0" anchor="t" bIns="91425" lIns="91425" spcFirstLastPara="1" rIns="91425" wrap="square" tIns="91425">
+            <a:normAutofit/>
+          </a:bodyPr>
+          <a:lstStyle/>
+          <a:p>
+            <a:pPr indent="0" lvl="0" marL="0" rtl="0" algn="r">
+              <a:spcBef>
+                <a:spcPts val="0"/>
+              </a:spcBef>
+              <a:spcAft>
+                <a:spcPts val="0"/>
+              </a:spcAft>
+              <a:buNone/>
+            </a:pPr>
+            <a:fld id="{00000000-1234-1234-1234-123412341234}" type="slidenum">
+              <a:rPr lang="en-US"/>
+              <a:t>‹#›</a:t>
+            </a:fld>
+            <a:endParaRPr/>
+          </a:p>
+        </p:txBody>
+      </p:sp>
     </p:spTree>
   </p:cSld>
   <p:clrMapOvr>
@@ -7776,7 +7493,7 @@
     </p:bg>
     <p:spTree>
       <p:nvGrpSpPr>
-        <p:cNvPr id="118" name="Shape 118"/>
+        <p:cNvPr id="133" name="Shape 133"/>
         <p:cNvGrpSpPr/>
         <p:nvPr/>
       </p:nvGrpSpPr>
@@ -7788,23 +7505,64 @@
           <a:chExt cx="0" cy="0"/>
         </a:xfrm>
       </p:grpSpPr>
+      <p:sp>
+        <p:nvSpPr>
+          <p:cNvPr id="134" name="Google Shape;134;g2b233881ffb_0_34"/>
+          <p:cNvSpPr txBox="1"/>
+          <p:nvPr>
+            <p:ph idx="12" type="sldNum"/>
+          </p:nvPr>
+        </p:nvSpPr>
+        <p:spPr>
+          <a:xfrm>
+            <a:off x="8556784" y="4749851"/>
+            <a:ext cx="548700" cy="393600"/>
+          </a:xfrm>
+          <a:prstGeom prst="rect">
+            <a:avLst/>
+          </a:prstGeom>
+        </p:spPr>
+        <p:txBody>
+          <a:bodyPr anchorCtr="0" anchor="t" bIns="91425" lIns="91425" spcFirstLastPara="1" rIns="91425" wrap="square" tIns="91425">
+            <a:normAutofit/>
+          </a:bodyPr>
+          <a:lstStyle/>
+          <a:p>
+            <a:pPr indent="0" lvl="0" marL="0" rtl="0" algn="r">
+              <a:spcBef>
+                <a:spcPts val="0"/>
+              </a:spcBef>
+              <a:spcAft>
+                <a:spcPts val="0"/>
+              </a:spcAft>
+              <a:buNone/>
+            </a:pPr>
+            <a:fld id="{00000000-1234-1234-1234-123412341234}" type="slidenum">
+              <a:rPr lang="en-US"/>
+              <a:t>‹#›</a:t>
+            </a:fld>
+            <a:endParaRPr/>
+          </a:p>
+        </p:txBody>
+      </p:sp>
       <p:pic>
         <p:nvPicPr>
-          <p:cNvPr id="119" name="Google Shape;119;g2b1c408bf32_0_40"/>
+          <p:cNvPr id="135" name="Google Shape;135;g2b233881ffb_0_34"/>
           <p:cNvPicPr preferRelativeResize="0"/>
           <p:nvPr/>
         </p:nvPicPr>
-        <p:blipFill rotWithShape="1">
+        <p:blipFill>
           <a:blip r:embed="rId3">
             <a:alphaModFix/>
           </a:blip>
-          <a:srcRect b="7312" l="638" r="2631" t="9775"/>
-          <a:stretch/>
+          <a:stretch>
+            <a:fillRect/>
+          </a:stretch>
         </p:blipFill>
         <p:spPr>
           <a:xfrm>
-            <a:off x="1373125" y="1456575"/>
-            <a:ext cx="6440401" cy="3485725"/>
+            <a:off x="942088" y="152400"/>
+            <a:ext cx="7259822" cy="4838700"/>
           </a:xfrm>
           <a:prstGeom prst="rect">
             <a:avLst/>
@@ -7815,64 +7573,6 @@
           </a:ln>
         </p:spPr>
       </p:pic>
-      <p:sp>
-        <p:nvSpPr>
-          <p:cNvPr id="120" name="Google Shape;120;g2b1c408bf32_0_40"/>
-          <p:cNvSpPr txBox="1"/>
-          <p:nvPr/>
-        </p:nvSpPr>
-        <p:spPr>
-          <a:xfrm>
-            <a:off x="0" y="242775"/>
-            <a:ext cx="9144000" cy="1213800"/>
-          </a:xfrm>
-          <a:prstGeom prst="rect">
-            <a:avLst/>
-          </a:prstGeom>
-          <a:noFill/>
-          <a:ln>
-            <a:noFill/>
-          </a:ln>
-        </p:spPr>
-        <p:txBody>
-          <a:bodyPr anchorCtr="0" anchor="t" bIns="91425" lIns="91425" spcFirstLastPara="1" rIns="91425" wrap="square" tIns="91425">
-            <a:noAutofit/>
-          </a:bodyPr>
-          <a:lstStyle/>
-          <a:p>
-            <a:pPr indent="0" lvl="0" marL="0" rtl="0" algn="ctr">
-              <a:spcBef>
-                <a:spcPts val="0"/>
-              </a:spcBef>
-              <a:spcAft>
-                <a:spcPts val="0"/>
-              </a:spcAft>
-              <a:buNone/>
-            </a:pPr>
-            <a:r>
-              <a:rPr b="1" lang="en-US" sz="7000">
-                <a:solidFill>
-                  <a:schemeClr val="lt1"/>
-                </a:solidFill>
-                <a:latin typeface="Times New Roman"/>
-                <a:ea typeface="Times New Roman"/>
-                <a:cs typeface="Times New Roman"/>
-                <a:sym typeface="Times New Roman"/>
-              </a:rPr>
-              <a:t>Port Scan</a:t>
-            </a:r>
-            <a:endParaRPr b="1" sz="7000">
-              <a:solidFill>
-                <a:schemeClr val="lt1"/>
-              </a:solidFill>
-              <a:latin typeface="Times New Roman"/>
-              <a:ea typeface="Times New Roman"/>
-              <a:cs typeface="Times New Roman"/>
-              <a:sym typeface="Times New Roman"/>
-            </a:endParaRPr>
-          </a:p>
-        </p:txBody>
-      </p:sp>
     </p:spTree>
   </p:cSld>
   <p:clrMapOvr>
@@ -7893,7 +7593,7 @@
     </p:bg>
     <p:spTree>
       <p:nvGrpSpPr>
-        <p:cNvPr id="124" name="Shape 124"/>
+        <p:cNvPr id="139" name="Shape 139"/>
         <p:cNvGrpSpPr/>
         <p:nvPr/>
       </p:nvGrpSpPr>
@@ -7907,1126 +7607,7 @@
       </p:grpSpPr>
       <p:sp>
         <p:nvSpPr>
-          <p:cNvPr id="125" name="Google Shape;125;g2b1c408bf32_0_45"/>
-          <p:cNvSpPr txBox="1"/>
-          <p:nvPr/>
-        </p:nvSpPr>
-        <p:spPr>
-          <a:xfrm>
-            <a:off x="15175" y="30350"/>
-            <a:ext cx="9128700" cy="1282200"/>
-          </a:xfrm>
-          <a:prstGeom prst="rect">
-            <a:avLst/>
-          </a:prstGeom>
-          <a:noFill/>
-          <a:ln>
-            <a:noFill/>
-          </a:ln>
-        </p:spPr>
-        <p:txBody>
-          <a:bodyPr anchorCtr="0" anchor="t" bIns="91425" lIns="91425" spcFirstLastPara="1" rIns="91425" wrap="square" tIns="91425">
-            <a:noAutofit/>
-          </a:bodyPr>
-          <a:lstStyle/>
-          <a:p>
-            <a:pPr indent="0" lvl="0" marL="0" rtl="0" algn="ctr">
-              <a:spcBef>
-                <a:spcPts val="0"/>
-              </a:spcBef>
-              <a:spcAft>
-                <a:spcPts val="0"/>
-              </a:spcAft>
-              <a:buNone/>
-            </a:pPr>
-            <a:r>
-              <a:rPr b="1" lang="en-US" sz="7000">
-                <a:solidFill>
-                  <a:schemeClr val="lt1"/>
-                </a:solidFill>
-                <a:latin typeface="Times New Roman"/>
-                <a:ea typeface="Times New Roman"/>
-                <a:cs typeface="Times New Roman"/>
-                <a:sym typeface="Times New Roman"/>
-              </a:rPr>
-              <a:t>Host &amp; DNS Scan</a:t>
-            </a:r>
-            <a:endParaRPr b="1" sz="7000">
-              <a:solidFill>
-                <a:schemeClr val="lt1"/>
-              </a:solidFill>
-              <a:latin typeface="Times New Roman"/>
-              <a:ea typeface="Times New Roman"/>
-              <a:cs typeface="Times New Roman"/>
-              <a:sym typeface="Times New Roman"/>
-            </a:endParaRPr>
-          </a:p>
-        </p:txBody>
-      </p:sp>
-      <p:pic>
-        <p:nvPicPr>
-          <p:cNvPr id="126" name="Google Shape;126;g2b1c408bf32_0_45"/>
-          <p:cNvPicPr preferRelativeResize="0"/>
-          <p:nvPr/>
-        </p:nvPicPr>
-        <p:blipFill>
-          <a:blip r:embed="rId3">
-            <a:alphaModFix/>
-          </a:blip>
-          <a:stretch>
-            <a:fillRect/>
-          </a:stretch>
-        </p:blipFill>
-        <p:spPr>
-          <a:xfrm>
-            <a:off x="144800" y="1312550"/>
-            <a:ext cx="4986474" cy="3526150"/>
-          </a:xfrm>
-          <a:prstGeom prst="rect">
-            <a:avLst/>
-          </a:prstGeom>
-          <a:noFill/>
-          <a:ln>
-            <a:noFill/>
-          </a:ln>
-        </p:spPr>
-      </p:pic>
-      <p:pic>
-        <p:nvPicPr>
-          <p:cNvPr id="127" name="Google Shape;127;g2b1c408bf32_0_45"/>
-          <p:cNvPicPr preferRelativeResize="0"/>
-          <p:nvPr/>
-        </p:nvPicPr>
-        <p:blipFill rotWithShape="1">
-          <a:blip r:embed="rId4">
-            <a:alphaModFix/>
-          </a:blip>
-          <a:srcRect b="0" l="0" r="0" t="2372"/>
-          <a:stretch/>
-        </p:blipFill>
-        <p:spPr>
-          <a:xfrm>
-            <a:off x="5283675" y="1509675"/>
-            <a:ext cx="3707924" cy="1838425"/>
-          </a:xfrm>
-          <a:prstGeom prst="rect">
-            <a:avLst/>
-          </a:prstGeom>
-          <a:noFill/>
-          <a:ln>
-            <a:noFill/>
-          </a:ln>
-        </p:spPr>
-      </p:pic>
-    </p:spTree>
-  </p:cSld>
-  <p:clrMapOvr>
-    <a:masterClrMapping/>
-  </p:clrMapOvr>
-</p:sld>
-</file>
-
-<file path=ppt/slides/slide12.xml><?xml version="1.0" encoding="utf-8"?>
-<p:sld xmlns:a="http://schemas.openxmlformats.org/drawingml/2006/main" xmlns:r="http://schemas.openxmlformats.org/officeDocument/2006/relationships" xmlns:mc="http://schemas.openxmlformats.org/markup-compatibility/2006" xmlns:mv="urn:schemas-microsoft-com:mac:vml" xmlns:p="http://schemas.openxmlformats.org/presentationml/2006/main" xmlns:c="http://schemas.openxmlformats.org/drawingml/2006/chart" xmlns:dgm="http://schemas.openxmlformats.org/drawingml/2006/diagram" xmlns:o="urn:schemas-microsoft-com:office:office" xmlns:v="urn:schemas-microsoft-com:vml" xmlns:pvml="urn:schemas-microsoft-com:office:powerpoint" xmlns:com="http://schemas.openxmlformats.org/drawingml/2006/compatibility" xmlns:p14="http://schemas.microsoft.com/office/powerpoint/2010/main" xmlns:p15="http://schemas.microsoft.com/office/powerpoint/2012/main" xmlns:ahyp="http://schemas.microsoft.com/office/drawing/2018/hyperlinkcolor">
-  <p:cSld>
-    <p:bg>
-      <p:bgPr>
-        <a:solidFill>
-          <a:schemeClr val="dk1"/>
-        </a:solidFill>
-      </p:bgPr>
-    </p:bg>
-    <p:spTree>
-      <p:nvGrpSpPr>
-        <p:cNvPr id="131" name="Shape 131"/>
-        <p:cNvGrpSpPr/>
-        <p:nvPr/>
-      </p:nvGrpSpPr>
-      <p:grpSpPr>
-        <a:xfrm>
-          <a:off x="0" y="0"/>
-          <a:ext cx="0" cy="0"/>
-          <a:chOff x="0" y="0"/>
-          <a:chExt cx="0" cy="0"/>
-        </a:xfrm>
-      </p:grpSpPr>
-      <p:sp>
-        <p:nvSpPr>
-          <p:cNvPr id="132" name="Google Shape;132;g2b1a236ad44_0_275"/>
-          <p:cNvSpPr txBox="1"/>
-          <p:nvPr>
-            <p:ph type="title"/>
-          </p:nvPr>
-        </p:nvSpPr>
-        <p:spPr>
-          <a:xfrm>
-            <a:off x="311700" y="445025"/>
-            <a:ext cx="8520600" cy="572700"/>
-          </a:xfrm>
-          <a:prstGeom prst="rect">
-            <a:avLst/>
-          </a:prstGeom>
-        </p:spPr>
-        <p:txBody>
-          <a:bodyPr anchorCtr="0" anchor="t" bIns="91425" lIns="91425" spcFirstLastPara="1" rIns="91425" wrap="square" tIns="91425">
-            <a:normAutofit fontScale="90000"/>
-          </a:bodyPr>
-          <a:lstStyle/>
-          <a:p>
-            <a:pPr indent="0" lvl="0" marL="0" rtl="0" algn="l">
-              <a:spcBef>
-                <a:spcPts val="0"/>
-              </a:spcBef>
-              <a:spcAft>
-                <a:spcPts val="0"/>
-              </a:spcAft>
-              <a:buNone/>
-            </a:pPr>
-            <a:r>
-              <a:rPr b="1" lang="en-US">
-                <a:solidFill>
-                  <a:schemeClr val="lt1"/>
-                </a:solidFill>
-                <a:latin typeface="Times New Roman"/>
-                <a:ea typeface="Times New Roman"/>
-                <a:cs typeface="Times New Roman"/>
-                <a:sym typeface="Times New Roman"/>
-              </a:rPr>
-              <a:t>Scope:</a:t>
-            </a:r>
-            <a:endParaRPr b="1">
-              <a:solidFill>
-                <a:schemeClr val="lt1"/>
-              </a:solidFill>
-              <a:latin typeface="Times New Roman"/>
-              <a:ea typeface="Times New Roman"/>
-              <a:cs typeface="Times New Roman"/>
-              <a:sym typeface="Times New Roman"/>
-            </a:endParaRPr>
-          </a:p>
-        </p:txBody>
-      </p:sp>
-      <p:sp>
-        <p:nvSpPr>
-          <p:cNvPr id="133" name="Google Shape;133;g2b1a236ad44_0_275"/>
-          <p:cNvSpPr txBox="1"/>
-          <p:nvPr>
-            <p:ph idx="1" type="body"/>
-          </p:nvPr>
-        </p:nvSpPr>
-        <p:spPr>
-          <a:xfrm>
-            <a:off x="311700" y="1152475"/>
-            <a:ext cx="8520600" cy="3416400"/>
-          </a:xfrm>
-          <a:prstGeom prst="rect">
-            <a:avLst/>
-          </a:prstGeom>
-        </p:spPr>
-        <p:txBody>
-          <a:bodyPr anchorCtr="0" anchor="t" bIns="91425" lIns="91425" spcFirstLastPara="1" rIns="91425" wrap="square" tIns="91425">
-            <a:noAutofit/>
-          </a:bodyPr>
-          <a:lstStyle/>
-          <a:p>
-            <a:pPr indent="-342900" lvl="0" marL="457200" rtl="0" algn="just">
-              <a:lnSpc>
-                <a:spcPct val="144000"/>
-              </a:lnSpc>
-              <a:spcBef>
-                <a:spcPts val="1260"/>
-              </a:spcBef>
-              <a:spcAft>
-                <a:spcPts val="0"/>
-              </a:spcAft>
-              <a:buClr>
-                <a:schemeClr val="lt1"/>
-              </a:buClr>
-              <a:buSzPts val="1800"/>
-              <a:buFont typeface="Times New Roman"/>
-              <a:buChar char="●"/>
-            </a:pPr>
-            <a:r>
-              <a:rPr lang="en-US">
-                <a:solidFill>
-                  <a:schemeClr val="lt1"/>
-                </a:solidFill>
-                <a:latin typeface="Times New Roman"/>
-                <a:ea typeface="Times New Roman"/>
-                <a:cs typeface="Times New Roman"/>
-                <a:sym typeface="Times New Roman"/>
-              </a:rPr>
-              <a:t>SQL Injection</a:t>
-            </a:r>
-            <a:endParaRPr>
-              <a:solidFill>
-                <a:schemeClr val="lt1"/>
-              </a:solidFill>
-              <a:latin typeface="Times New Roman"/>
-              <a:ea typeface="Times New Roman"/>
-              <a:cs typeface="Times New Roman"/>
-              <a:sym typeface="Times New Roman"/>
-            </a:endParaRPr>
-          </a:p>
-          <a:p>
-            <a:pPr indent="-342900" lvl="0" marL="457200" rtl="0" algn="just">
-              <a:lnSpc>
-                <a:spcPct val="144000"/>
-              </a:lnSpc>
-              <a:spcBef>
-                <a:spcPts val="0"/>
-              </a:spcBef>
-              <a:spcAft>
-                <a:spcPts val="0"/>
-              </a:spcAft>
-              <a:buClr>
-                <a:schemeClr val="lt1"/>
-              </a:buClr>
-              <a:buSzPts val="1800"/>
-              <a:buFont typeface="Times New Roman"/>
-              <a:buChar char="●"/>
-            </a:pPr>
-            <a:r>
-              <a:rPr lang="en-US">
-                <a:solidFill>
-                  <a:schemeClr val="lt1"/>
-                </a:solidFill>
-                <a:latin typeface="Times New Roman"/>
-                <a:ea typeface="Times New Roman"/>
-                <a:cs typeface="Times New Roman"/>
-                <a:sym typeface="Times New Roman"/>
-              </a:rPr>
-              <a:t>Broken Authentication</a:t>
-            </a:r>
-            <a:endParaRPr>
-              <a:solidFill>
-                <a:schemeClr val="lt1"/>
-              </a:solidFill>
-              <a:latin typeface="Times New Roman"/>
-              <a:ea typeface="Times New Roman"/>
-              <a:cs typeface="Times New Roman"/>
-              <a:sym typeface="Times New Roman"/>
-            </a:endParaRPr>
-          </a:p>
-          <a:p>
-            <a:pPr indent="-342900" lvl="0" marL="457200" rtl="0" algn="just">
-              <a:lnSpc>
-                <a:spcPct val="144000"/>
-              </a:lnSpc>
-              <a:spcBef>
-                <a:spcPts val="0"/>
-              </a:spcBef>
-              <a:spcAft>
-                <a:spcPts val="0"/>
-              </a:spcAft>
-              <a:buClr>
-                <a:schemeClr val="lt1"/>
-              </a:buClr>
-              <a:buSzPts val="1800"/>
-              <a:buFont typeface="Times New Roman"/>
-              <a:buChar char="●"/>
-            </a:pPr>
-            <a:r>
-              <a:rPr lang="en-US">
-                <a:solidFill>
-                  <a:schemeClr val="lt1"/>
-                </a:solidFill>
-                <a:latin typeface="Times New Roman"/>
-                <a:ea typeface="Times New Roman"/>
-                <a:cs typeface="Times New Roman"/>
-                <a:sym typeface="Times New Roman"/>
-              </a:rPr>
-              <a:t>Sensitive Data Exposure</a:t>
-            </a:r>
-            <a:endParaRPr>
-              <a:solidFill>
-                <a:schemeClr val="lt1"/>
-              </a:solidFill>
-              <a:latin typeface="Times New Roman"/>
-              <a:ea typeface="Times New Roman"/>
-              <a:cs typeface="Times New Roman"/>
-              <a:sym typeface="Times New Roman"/>
-            </a:endParaRPr>
-          </a:p>
-          <a:p>
-            <a:pPr indent="-342900" lvl="0" marL="457200" rtl="0" algn="just">
-              <a:lnSpc>
-                <a:spcPct val="144000"/>
-              </a:lnSpc>
-              <a:spcBef>
-                <a:spcPts val="0"/>
-              </a:spcBef>
-              <a:spcAft>
-                <a:spcPts val="0"/>
-              </a:spcAft>
-              <a:buClr>
-                <a:schemeClr val="lt1"/>
-              </a:buClr>
-              <a:buSzPts val="1800"/>
-              <a:buFont typeface="Times New Roman"/>
-              <a:buChar char="●"/>
-            </a:pPr>
-            <a:r>
-              <a:rPr lang="en-US">
-                <a:solidFill>
-                  <a:schemeClr val="lt1"/>
-                </a:solidFill>
-                <a:latin typeface="Times New Roman"/>
-                <a:ea typeface="Times New Roman"/>
-                <a:cs typeface="Times New Roman"/>
-                <a:sym typeface="Times New Roman"/>
-              </a:rPr>
-              <a:t>XML External Entities (XXE)</a:t>
-            </a:r>
-            <a:endParaRPr>
-              <a:solidFill>
-                <a:schemeClr val="lt1"/>
-              </a:solidFill>
-              <a:latin typeface="Times New Roman"/>
-              <a:ea typeface="Times New Roman"/>
-              <a:cs typeface="Times New Roman"/>
-              <a:sym typeface="Times New Roman"/>
-            </a:endParaRPr>
-          </a:p>
-          <a:p>
-            <a:pPr indent="-342900" lvl="0" marL="457200" rtl="0" algn="just">
-              <a:lnSpc>
-                <a:spcPct val="144000"/>
-              </a:lnSpc>
-              <a:spcBef>
-                <a:spcPts val="0"/>
-              </a:spcBef>
-              <a:spcAft>
-                <a:spcPts val="0"/>
-              </a:spcAft>
-              <a:buClr>
-                <a:schemeClr val="lt1"/>
-              </a:buClr>
-              <a:buSzPts val="1800"/>
-              <a:buFont typeface="Times New Roman"/>
-              <a:buChar char="●"/>
-            </a:pPr>
-            <a:r>
-              <a:rPr lang="en-US">
-                <a:solidFill>
-                  <a:schemeClr val="lt1"/>
-                </a:solidFill>
-                <a:latin typeface="Times New Roman"/>
-                <a:ea typeface="Times New Roman"/>
-                <a:cs typeface="Times New Roman"/>
-                <a:sym typeface="Times New Roman"/>
-              </a:rPr>
-              <a:t>Broken Access Control</a:t>
-            </a:r>
-            <a:endParaRPr>
-              <a:solidFill>
-                <a:schemeClr val="lt1"/>
-              </a:solidFill>
-              <a:latin typeface="Times New Roman"/>
-              <a:ea typeface="Times New Roman"/>
-              <a:cs typeface="Times New Roman"/>
-              <a:sym typeface="Times New Roman"/>
-            </a:endParaRPr>
-          </a:p>
-          <a:p>
-            <a:pPr indent="-342900" lvl="0" marL="457200" rtl="0" algn="just">
-              <a:lnSpc>
-                <a:spcPct val="144000"/>
-              </a:lnSpc>
-              <a:spcBef>
-                <a:spcPts val="0"/>
-              </a:spcBef>
-              <a:spcAft>
-                <a:spcPts val="0"/>
-              </a:spcAft>
-              <a:buClr>
-                <a:schemeClr val="lt1"/>
-              </a:buClr>
-              <a:buSzPts val="1800"/>
-              <a:buFont typeface="Times New Roman"/>
-              <a:buChar char="●"/>
-            </a:pPr>
-            <a:r>
-              <a:rPr lang="en-US">
-                <a:solidFill>
-                  <a:schemeClr val="lt1"/>
-                </a:solidFill>
-                <a:latin typeface="Times New Roman"/>
-                <a:ea typeface="Times New Roman"/>
-                <a:cs typeface="Times New Roman"/>
-                <a:sym typeface="Times New Roman"/>
-              </a:rPr>
-              <a:t>Security Misconfigurations</a:t>
-            </a:r>
-            <a:endParaRPr>
-              <a:solidFill>
-                <a:schemeClr val="lt1"/>
-              </a:solidFill>
-              <a:latin typeface="Times New Roman"/>
-              <a:ea typeface="Times New Roman"/>
-              <a:cs typeface="Times New Roman"/>
-              <a:sym typeface="Times New Roman"/>
-            </a:endParaRPr>
-          </a:p>
-          <a:p>
-            <a:pPr indent="-342900" lvl="0" marL="457200" rtl="0" algn="just">
-              <a:lnSpc>
-                <a:spcPct val="144000"/>
-              </a:lnSpc>
-              <a:spcBef>
-                <a:spcPts val="0"/>
-              </a:spcBef>
-              <a:spcAft>
-                <a:spcPts val="0"/>
-              </a:spcAft>
-              <a:buClr>
-                <a:schemeClr val="lt1"/>
-              </a:buClr>
-              <a:buSzPts val="1800"/>
-              <a:buFont typeface="Times New Roman"/>
-              <a:buChar char="●"/>
-            </a:pPr>
-            <a:r>
-              <a:rPr lang="en-US">
-                <a:solidFill>
-                  <a:schemeClr val="lt1"/>
-                </a:solidFill>
-                <a:latin typeface="Times New Roman"/>
-                <a:ea typeface="Times New Roman"/>
-                <a:cs typeface="Times New Roman"/>
-                <a:sym typeface="Times New Roman"/>
-              </a:rPr>
-              <a:t>Cross-Site Scripting (XSS)</a:t>
-            </a:r>
-            <a:endParaRPr>
-              <a:solidFill>
-                <a:schemeClr val="lt1"/>
-              </a:solidFill>
-              <a:latin typeface="Times New Roman"/>
-              <a:ea typeface="Times New Roman"/>
-              <a:cs typeface="Times New Roman"/>
-              <a:sym typeface="Times New Roman"/>
-            </a:endParaRPr>
-          </a:p>
-          <a:p>
-            <a:pPr indent="-342900" lvl="0" marL="457200" rtl="0" algn="just">
-              <a:lnSpc>
-                <a:spcPct val="144000"/>
-              </a:lnSpc>
-              <a:spcBef>
-                <a:spcPts val="0"/>
-              </a:spcBef>
-              <a:spcAft>
-                <a:spcPts val="0"/>
-              </a:spcAft>
-              <a:buClr>
-                <a:schemeClr val="lt1"/>
-              </a:buClr>
-              <a:buSzPts val="1800"/>
-              <a:buFont typeface="Times New Roman"/>
-              <a:buChar char="●"/>
-            </a:pPr>
-            <a:r>
-              <a:rPr lang="en-US">
-                <a:solidFill>
-                  <a:schemeClr val="lt1"/>
-                </a:solidFill>
-                <a:latin typeface="Times New Roman"/>
-                <a:ea typeface="Times New Roman"/>
-                <a:cs typeface="Times New Roman"/>
-                <a:sym typeface="Times New Roman"/>
-              </a:rPr>
-              <a:t>Using Components with Known Vulnerabilities</a:t>
-            </a:r>
-            <a:endParaRPr>
-              <a:solidFill>
-                <a:schemeClr val="lt1"/>
-              </a:solidFill>
-              <a:latin typeface="Times New Roman"/>
-              <a:ea typeface="Times New Roman"/>
-              <a:cs typeface="Times New Roman"/>
-              <a:sym typeface="Times New Roman"/>
-            </a:endParaRPr>
-          </a:p>
-        </p:txBody>
-      </p:sp>
-    </p:spTree>
-  </p:cSld>
-  <p:clrMapOvr>
-    <a:masterClrMapping/>
-  </p:clrMapOvr>
-</p:sld>
-</file>
-
-<file path=ppt/slides/slide13.xml><?xml version="1.0" encoding="utf-8"?>
-<p:sld xmlns:a="http://schemas.openxmlformats.org/drawingml/2006/main" xmlns:r="http://schemas.openxmlformats.org/officeDocument/2006/relationships" xmlns:mc="http://schemas.openxmlformats.org/markup-compatibility/2006" xmlns:mv="urn:schemas-microsoft-com:mac:vml" xmlns:p="http://schemas.openxmlformats.org/presentationml/2006/main" xmlns:c="http://schemas.openxmlformats.org/drawingml/2006/chart" xmlns:dgm="http://schemas.openxmlformats.org/drawingml/2006/diagram" xmlns:o="urn:schemas-microsoft-com:office:office" xmlns:v="urn:schemas-microsoft-com:vml" xmlns:pvml="urn:schemas-microsoft-com:office:powerpoint" xmlns:com="http://schemas.openxmlformats.org/drawingml/2006/compatibility" xmlns:p14="http://schemas.microsoft.com/office/powerpoint/2010/main" xmlns:p15="http://schemas.microsoft.com/office/powerpoint/2012/main" xmlns:ahyp="http://schemas.microsoft.com/office/drawing/2018/hyperlinkcolor">
-  <p:cSld>
-    <p:bg>
-      <p:bgPr>
-        <a:solidFill>
-          <a:schemeClr val="dk1"/>
-        </a:solidFill>
-      </p:bgPr>
-    </p:bg>
-    <p:spTree>
-      <p:nvGrpSpPr>
-        <p:cNvPr id="137" name="Shape 137"/>
-        <p:cNvGrpSpPr/>
-        <p:nvPr/>
-      </p:nvGrpSpPr>
-      <p:grpSpPr>
-        <a:xfrm>
-          <a:off x="0" y="0"/>
-          <a:ext cx="0" cy="0"/>
-          <a:chOff x="0" y="0"/>
-          <a:chExt cx="0" cy="0"/>
-        </a:xfrm>
-      </p:grpSpPr>
-      <p:pic>
-        <p:nvPicPr>
-          <p:cNvPr id="138" name="Google Shape;138;g2b1c408bf32_0_62"/>
-          <p:cNvPicPr preferRelativeResize="0"/>
-          <p:nvPr/>
-        </p:nvPicPr>
-        <p:blipFill>
-          <a:blip r:embed="rId3">
-            <a:alphaModFix/>
-          </a:blip>
-          <a:stretch>
-            <a:fillRect/>
-          </a:stretch>
-        </p:blipFill>
-        <p:spPr>
-          <a:xfrm>
-            <a:off x="523875" y="323850"/>
-            <a:ext cx="8096250" cy="4495800"/>
-          </a:xfrm>
-          <a:prstGeom prst="rect">
-            <a:avLst/>
-          </a:prstGeom>
-          <a:noFill/>
-          <a:ln>
-            <a:noFill/>
-          </a:ln>
-        </p:spPr>
-      </p:pic>
-    </p:spTree>
-  </p:cSld>
-  <p:clrMapOvr>
-    <a:masterClrMapping/>
-  </p:clrMapOvr>
-</p:sld>
-</file>
-
-<file path=ppt/slides/slide14.xml><?xml version="1.0" encoding="utf-8"?>
-<p:sld xmlns:a="http://schemas.openxmlformats.org/drawingml/2006/main" xmlns:r="http://schemas.openxmlformats.org/officeDocument/2006/relationships" xmlns:mc="http://schemas.openxmlformats.org/markup-compatibility/2006" xmlns:mv="urn:schemas-microsoft-com:mac:vml" xmlns:p="http://schemas.openxmlformats.org/presentationml/2006/main" xmlns:c="http://schemas.openxmlformats.org/drawingml/2006/chart" xmlns:dgm="http://schemas.openxmlformats.org/drawingml/2006/diagram" xmlns:o="urn:schemas-microsoft-com:office:office" xmlns:v="urn:schemas-microsoft-com:vml" xmlns:pvml="urn:schemas-microsoft-com:office:powerpoint" xmlns:com="http://schemas.openxmlformats.org/drawingml/2006/compatibility" xmlns:p14="http://schemas.microsoft.com/office/powerpoint/2010/main" xmlns:p15="http://schemas.microsoft.com/office/powerpoint/2012/main" xmlns:ahyp="http://schemas.microsoft.com/office/drawing/2018/hyperlinkcolor">
-  <p:cSld>
-    <p:bg>
-      <p:bgPr>
-        <a:solidFill>
-          <a:schemeClr val="dk1"/>
-        </a:solidFill>
-      </p:bgPr>
-    </p:bg>
-    <p:spTree>
-      <p:nvGrpSpPr>
-        <p:cNvPr id="142" name="Shape 142"/>
-        <p:cNvGrpSpPr/>
-        <p:nvPr/>
-      </p:nvGrpSpPr>
-      <p:grpSpPr>
-        <a:xfrm>
-          <a:off x="0" y="0"/>
-          <a:ext cx="0" cy="0"/>
-          <a:chOff x="0" y="0"/>
-          <a:chExt cx="0" cy="0"/>
-        </a:xfrm>
-      </p:grpSpPr>
-      <p:sp>
-        <p:nvSpPr>
-          <p:cNvPr id="143" name="Google Shape;143;p4"/>
-          <p:cNvSpPr/>
-          <p:nvPr/>
-        </p:nvSpPr>
-        <p:spPr>
-          <a:xfrm>
-            <a:off x="606900" y="1145650"/>
-            <a:ext cx="6396300" cy="3242100"/>
-          </a:xfrm>
-          <a:prstGeom prst="rect">
-            <a:avLst/>
-          </a:prstGeom>
-          <a:noFill/>
-          <a:ln>
-            <a:noFill/>
-          </a:ln>
-        </p:spPr>
-        <p:txBody>
-          <a:bodyPr anchorCtr="0" anchor="t" bIns="0" lIns="0" spcFirstLastPara="1" rIns="0" wrap="square" tIns="0">
-            <a:noAutofit/>
-          </a:bodyPr>
-          <a:lstStyle/>
-          <a:p>
-            <a:pPr indent="-342900" lvl="0" marL="457200" marR="0" rtl="0" algn="just">
-              <a:lnSpc>
-                <a:spcPct val="144000"/>
-              </a:lnSpc>
-              <a:spcBef>
-                <a:spcPts val="1260"/>
-              </a:spcBef>
-              <a:spcAft>
-                <a:spcPts val="0"/>
-              </a:spcAft>
-              <a:buClr>
-                <a:schemeClr val="lt1"/>
-              </a:buClr>
-              <a:buSzPts val="1800"/>
-              <a:buFont typeface="Times New Roman"/>
-              <a:buChar char="●"/>
-            </a:pPr>
-            <a:r>
-              <a:rPr b="0" i="0" lang="en-US" sz="1800" u="none" cap="none" strike="noStrike">
-                <a:solidFill>
-                  <a:schemeClr val="lt1"/>
-                </a:solidFill>
-                <a:latin typeface="Times New Roman"/>
-                <a:ea typeface="Times New Roman"/>
-                <a:cs typeface="Times New Roman"/>
-                <a:sym typeface="Times New Roman"/>
-              </a:rPr>
-              <a:t>User Authentication</a:t>
-            </a:r>
-            <a:endParaRPr sz="1800">
-              <a:solidFill>
-                <a:schemeClr val="lt1"/>
-              </a:solidFill>
-            </a:endParaRPr>
-          </a:p>
-          <a:p>
-            <a:pPr indent="-342900" lvl="0" marL="457200" marR="0" rtl="0" algn="just">
-              <a:lnSpc>
-                <a:spcPct val="144000"/>
-              </a:lnSpc>
-              <a:spcBef>
-                <a:spcPts val="0"/>
-              </a:spcBef>
-              <a:spcAft>
-                <a:spcPts val="0"/>
-              </a:spcAft>
-              <a:buClr>
-                <a:schemeClr val="lt1"/>
-              </a:buClr>
-              <a:buSzPts val="1800"/>
-              <a:buFont typeface="Times New Roman"/>
-              <a:buChar char="●"/>
-            </a:pPr>
-            <a:r>
-              <a:rPr lang="en-US" sz="1800">
-                <a:solidFill>
-                  <a:schemeClr val="lt1"/>
-                </a:solidFill>
-                <a:latin typeface="Times New Roman"/>
-                <a:ea typeface="Times New Roman"/>
-                <a:cs typeface="Times New Roman"/>
-                <a:sym typeface="Times New Roman"/>
-              </a:rPr>
-              <a:t>I</a:t>
-            </a:r>
-            <a:r>
-              <a:rPr b="0" i="0" lang="en-US" sz="1800" u="none" cap="none" strike="noStrike">
-                <a:solidFill>
-                  <a:schemeClr val="lt1"/>
-                </a:solidFill>
-                <a:latin typeface="Times New Roman"/>
-                <a:ea typeface="Times New Roman"/>
-                <a:cs typeface="Times New Roman"/>
-                <a:sym typeface="Times New Roman"/>
-              </a:rPr>
-              <a:t>ntuitive Dashboard</a:t>
-            </a:r>
-            <a:endParaRPr sz="1800">
-              <a:solidFill>
-                <a:schemeClr val="lt1"/>
-              </a:solidFill>
-            </a:endParaRPr>
-          </a:p>
-          <a:p>
-            <a:pPr indent="-342900" lvl="0" marL="457200" marR="0" rtl="0" algn="just">
-              <a:lnSpc>
-                <a:spcPct val="144000"/>
-              </a:lnSpc>
-              <a:spcBef>
-                <a:spcPts val="0"/>
-              </a:spcBef>
-              <a:spcAft>
-                <a:spcPts val="0"/>
-              </a:spcAft>
-              <a:buClr>
-                <a:schemeClr val="lt1"/>
-              </a:buClr>
-              <a:buSzPts val="1800"/>
-              <a:buFont typeface="Times New Roman"/>
-              <a:buChar char="●"/>
-            </a:pPr>
-            <a:r>
-              <a:rPr b="0" i="0" lang="en-US" sz="1800" u="none" cap="none" strike="noStrike">
-                <a:solidFill>
-                  <a:schemeClr val="lt1"/>
-                </a:solidFill>
-                <a:latin typeface="Times New Roman"/>
-                <a:ea typeface="Times New Roman"/>
-                <a:cs typeface="Times New Roman"/>
-                <a:sym typeface="Times New Roman"/>
-              </a:rPr>
-              <a:t>Real-time Progress Updates</a:t>
-            </a:r>
-            <a:endParaRPr sz="1800">
-              <a:solidFill>
-                <a:schemeClr val="lt1"/>
-              </a:solidFill>
-            </a:endParaRPr>
-          </a:p>
-          <a:p>
-            <a:pPr indent="-342900" lvl="0" marL="457200" marR="0" rtl="0" algn="just">
-              <a:lnSpc>
-                <a:spcPct val="144000"/>
-              </a:lnSpc>
-              <a:spcBef>
-                <a:spcPts val="0"/>
-              </a:spcBef>
-              <a:spcAft>
-                <a:spcPts val="0"/>
-              </a:spcAft>
-              <a:buClr>
-                <a:schemeClr val="lt1"/>
-              </a:buClr>
-              <a:buSzPts val="1800"/>
-              <a:buFont typeface="Times New Roman"/>
-              <a:buChar char="●"/>
-            </a:pPr>
-            <a:r>
-              <a:rPr b="0" i="0" lang="en-US" sz="1800" u="none" cap="none" strike="noStrike">
-                <a:solidFill>
-                  <a:schemeClr val="lt1"/>
-                </a:solidFill>
-                <a:latin typeface="Times New Roman"/>
-                <a:ea typeface="Times New Roman"/>
-                <a:cs typeface="Times New Roman"/>
-                <a:sym typeface="Times New Roman"/>
-              </a:rPr>
-              <a:t>Detailed Scan Reports</a:t>
-            </a:r>
-            <a:endParaRPr sz="1800">
-              <a:solidFill>
-                <a:schemeClr val="lt1"/>
-              </a:solidFill>
-            </a:endParaRPr>
-          </a:p>
-          <a:p>
-            <a:pPr indent="-342900" lvl="0" marL="457200" marR="0" rtl="0" algn="just">
-              <a:lnSpc>
-                <a:spcPct val="144000"/>
-              </a:lnSpc>
-              <a:spcBef>
-                <a:spcPts val="0"/>
-              </a:spcBef>
-              <a:spcAft>
-                <a:spcPts val="0"/>
-              </a:spcAft>
-              <a:buClr>
-                <a:schemeClr val="lt1"/>
-              </a:buClr>
-              <a:buSzPts val="1800"/>
-              <a:buFont typeface="Times New Roman"/>
-              <a:buChar char="●"/>
-            </a:pPr>
-            <a:r>
-              <a:rPr lang="en-US" sz="1800">
-                <a:solidFill>
-                  <a:schemeClr val="lt1"/>
-                </a:solidFill>
-                <a:latin typeface="Times New Roman"/>
-                <a:ea typeface="Times New Roman"/>
-                <a:cs typeface="Times New Roman"/>
-                <a:sym typeface="Times New Roman"/>
-              </a:rPr>
-              <a:t>H</a:t>
-            </a:r>
-            <a:r>
-              <a:rPr b="0" i="0" lang="en-US" sz="1800" u="none" cap="none" strike="noStrike">
-                <a:solidFill>
-                  <a:schemeClr val="lt1"/>
-                </a:solidFill>
-                <a:latin typeface="Times New Roman"/>
-                <a:ea typeface="Times New Roman"/>
-                <a:cs typeface="Times New Roman"/>
-                <a:sym typeface="Times New Roman"/>
-              </a:rPr>
-              <a:t>istorical Scan Data</a:t>
-            </a:r>
-            <a:endParaRPr sz="1800">
-              <a:solidFill>
-                <a:schemeClr val="lt1"/>
-              </a:solidFill>
-            </a:endParaRPr>
-          </a:p>
-          <a:p>
-            <a:pPr indent="-342900" lvl="0" marL="457200" marR="0" rtl="0" algn="just">
-              <a:lnSpc>
-                <a:spcPct val="144000"/>
-              </a:lnSpc>
-              <a:spcBef>
-                <a:spcPts val="0"/>
-              </a:spcBef>
-              <a:spcAft>
-                <a:spcPts val="0"/>
-              </a:spcAft>
-              <a:buClr>
-                <a:schemeClr val="lt1"/>
-              </a:buClr>
-              <a:buSzPts val="1800"/>
-              <a:buFont typeface="Times New Roman"/>
-              <a:buChar char="●"/>
-            </a:pPr>
-            <a:r>
-              <a:rPr b="0" i="0" lang="en-US" sz="1800" u="none" cap="none" strike="noStrike">
-                <a:solidFill>
-                  <a:schemeClr val="lt1"/>
-                </a:solidFill>
-                <a:latin typeface="Times New Roman"/>
-                <a:ea typeface="Times New Roman"/>
-                <a:cs typeface="Times New Roman"/>
-                <a:sym typeface="Times New Roman"/>
-              </a:rPr>
-              <a:t>Alerts and Notifications</a:t>
-            </a:r>
-            <a:endParaRPr sz="1800">
-              <a:solidFill>
-                <a:schemeClr val="lt1"/>
-              </a:solidFill>
-            </a:endParaRPr>
-          </a:p>
-          <a:p>
-            <a:pPr indent="-342900" lvl="0" marL="457200" marR="0" rtl="0" algn="just">
-              <a:lnSpc>
-                <a:spcPct val="144000"/>
-              </a:lnSpc>
-              <a:spcBef>
-                <a:spcPts val="0"/>
-              </a:spcBef>
-              <a:spcAft>
-                <a:spcPts val="0"/>
-              </a:spcAft>
-              <a:buClr>
-                <a:schemeClr val="lt1"/>
-              </a:buClr>
-              <a:buSzPts val="1800"/>
-              <a:buFont typeface="Times New Roman"/>
-              <a:buChar char="●"/>
-            </a:pPr>
-            <a:r>
-              <a:rPr b="0" i="0" lang="en-US" sz="1800" u="none" cap="none" strike="noStrike">
-                <a:solidFill>
-                  <a:schemeClr val="lt1"/>
-                </a:solidFill>
-                <a:latin typeface="Times New Roman"/>
-                <a:ea typeface="Times New Roman"/>
-                <a:cs typeface="Times New Roman"/>
-                <a:sym typeface="Times New Roman"/>
-              </a:rPr>
-              <a:t>User Feedback Mechanism</a:t>
-            </a:r>
-            <a:endParaRPr sz="1800">
-              <a:solidFill>
-                <a:schemeClr val="lt1"/>
-              </a:solidFill>
-            </a:endParaRPr>
-          </a:p>
-          <a:p>
-            <a:pPr indent="-342900" lvl="0" marL="457200" marR="0" rtl="0" algn="just">
-              <a:lnSpc>
-                <a:spcPct val="144000"/>
-              </a:lnSpc>
-              <a:spcBef>
-                <a:spcPts val="0"/>
-              </a:spcBef>
-              <a:spcAft>
-                <a:spcPts val="0"/>
-              </a:spcAft>
-              <a:buClr>
-                <a:schemeClr val="lt1"/>
-              </a:buClr>
-              <a:buSzPts val="1800"/>
-              <a:buFont typeface="Times New Roman"/>
-              <a:buChar char="●"/>
-            </a:pPr>
-            <a:r>
-              <a:rPr b="0" i="0" lang="en-US" sz="1800" u="none" cap="none" strike="noStrike">
-                <a:solidFill>
-                  <a:schemeClr val="lt1"/>
-                </a:solidFill>
-                <a:latin typeface="Times New Roman"/>
-                <a:ea typeface="Times New Roman"/>
-                <a:cs typeface="Times New Roman"/>
-                <a:sym typeface="Times New Roman"/>
-              </a:rPr>
-              <a:t>Responsive Design</a:t>
-            </a:r>
-            <a:endParaRPr sz="1800">
-              <a:solidFill>
-                <a:schemeClr val="lt1"/>
-              </a:solidFill>
-            </a:endParaRPr>
-          </a:p>
-        </p:txBody>
-      </p:sp>
-      <p:sp>
-        <p:nvSpPr>
-          <p:cNvPr id="144" name="Google Shape;144;p4"/>
-          <p:cNvSpPr/>
-          <p:nvPr/>
-        </p:nvSpPr>
-        <p:spPr>
-          <a:xfrm>
-            <a:off x="7964245" y="4822421"/>
-            <a:ext cx="121800" cy="70200"/>
-          </a:xfrm>
-          <a:prstGeom prst="rect">
-            <a:avLst/>
-          </a:prstGeom>
-          <a:noFill/>
-          <a:ln>
-            <a:noFill/>
-          </a:ln>
-        </p:spPr>
-        <p:txBody>
-          <a:bodyPr anchorCtr="0" anchor="t" bIns="0" lIns="0" spcFirstLastPara="1" rIns="0" wrap="square" tIns="0">
-            <a:noAutofit/>
-          </a:bodyPr>
-          <a:lstStyle/>
-          <a:p>
-            <a:pPr indent="0" lvl="0" marL="0" marR="0" rtl="0" algn="l">
-              <a:spcBef>
-                <a:spcPts val="0"/>
-              </a:spcBef>
-              <a:spcAft>
-                <a:spcPts val="0"/>
-              </a:spcAft>
-              <a:buNone/>
-            </a:pPr>
-            <a:r>
-              <a:rPr b="0" i="0" lang="en-US" sz="1050" u="none" cap="none" strike="noStrike">
-                <a:solidFill>
-                  <a:schemeClr val="lt1"/>
-                </a:solidFill>
-                <a:latin typeface="Helvetica Neue"/>
-                <a:ea typeface="Helvetica Neue"/>
-                <a:cs typeface="Helvetica Neue"/>
-                <a:sym typeface="Helvetica Neue"/>
-              </a:rPr>
-              <a:t>3</a:t>
-            </a:r>
-            <a:endParaRPr>
-              <a:solidFill>
-                <a:schemeClr val="lt1"/>
-              </a:solidFill>
-            </a:endParaRPr>
-          </a:p>
-        </p:txBody>
-      </p:sp>
-      <p:sp>
-        <p:nvSpPr>
-          <p:cNvPr id="145" name="Google Shape;145;p4"/>
-          <p:cNvSpPr txBox="1"/>
-          <p:nvPr/>
-        </p:nvSpPr>
-        <p:spPr>
-          <a:xfrm>
-            <a:off x="606900" y="311050"/>
-            <a:ext cx="7988400" cy="834600"/>
-          </a:xfrm>
-          <a:prstGeom prst="rect">
-            <a:avLst/>
-          </a:prstGeom>
-          <a:noFill/>
-          <a:ln>
-            <a:noFill/>
-          </a:ln>
-        </p:spPr>
-        <p:txBody>
-          <a:bodyPr anchorCtr="0" anchor="t" bIns="91425" lIns="91425" spcFirstLastPara="1" rIns="91425" wrap="square" tIns="91425">
-            <a:noAutofit/>
-          </a:bodyPr>
-          <a:lstStyle/>
-          <a:p>
-            <a:pPr indent="0" lvl="0" marL="0" rtl="0" algn="just">
-              <a:spcBef>
-                <a:spcPts val="2100"/>
-              </a:spcBef>
-              <a:spcAft>
-                <a:spcPts val="0"/>
-              </a:spcAft>
-              <a:buClr>
-                <a:schemeClr val="dk1"/>
-              </a:buClr>
-              <a:buFont typeface="Arial"/>
-              <a:buNone/>
-            </a:pPr>
-            <a:r>
-              <a:rPr b="1" lang="en-US" sz="2500">
-                <a:solidFill>
-                  <a:schemeClr val="lt1"/>
-                </a:solidFill>
-                <a:latin typeface="Times New Roman"/>
-                <a:ea typeface="Times New Roman"/>
-                <a:cs typeface="Times New Roman"/>
-                <a:sym typeface="Times New Roman"/>
-              </a:rPr>
-              <a:t>User Interface and User Experience</a:t>
-            </a:r>
-            <a:endParaRPr sz="2500">
-              <a:solidFill>
-                <a:schemeClr val="lt1"/>
-              </a:solidFill>
-            </a:endParaRPr>
-          </a:p>
-        </p:txBody>
-      </p:sp>
-    </p:spTree>
-  </p:cSld>
-  <p:clrMapOvr>
-    <a:masterClrMapping/>
-  </p:clrMapOvr>
-</p:sld>
-</file>
-
-<file path=ppt/slides/slide15.xml><?xml version="1.0" encoding="utf-8"?>
-<p:sld xmlns:a="http://schemas.openxmlformats.org/drawingml/2006/main" xmlns:r="http://schemas.openxmlformats.org/officeDocument/2006/relationships" xmlns:mc="http://schemas.openxmlformats.org/markup-compatibility/2006" xmlns:mv="urn:schemas-microsoft-com:mac:vml" xmlns:p="http://schemas.openxmlformats.org/presentationml/2006/main" xmlns:c="http://schemas.openxmlformats.org/drawingml/2006/chart" xmlns:dgm="http://schemas.openxmlformats.org/drawingml/2006/diagram" xmlns:o="urn:schemas-microsoft-com:office:office" xmlns:v="urn:schemas-microsoft-com:vml" xmlns:pvml="urn:schemas-microsoft-com:office:powerpoint" xmlns:com="http://schemas.openxmlformats.org/drawingml/2006/compatibility" xmlns:p14="http://schemas.microsoft.com/office/powerpoint/2010/main" xmlns:p15="http://schemas.microsoft.com/office/powerpoint/2012/main" xmlns:ahyp="http://schemas.microsoft.com/office/drawing/2018/hyperlinkcolor">
-  <p:cSld>
-    <p:bg>
-      <p:bgPr>
-        <a:solidFill>
-          <a:schemeClr val="dk1"/>
-        </a:solidFill>
-      </p:bgPr>
-    </p:bg>
-    <p:spTree>
-      <p:nvGrpSpPr>
-        <p:cNvPr id="149" name="Shape 149"/>
-        <p:cNvGrpSpPr/>
-        <p:nvPr/>
-      </p:nvGrpSpPr>
-      <p:grpSpPr>
-        <a:xfrm>
-          <a:off x="0" y="0"/>
-          <a:ext cx="0" cy="0"/>
-          <a:chOff x="0" y="0"/>
-          <a:chExt cx="0" cy="0"/>
-        </a:xfrm>
-      </p:grpSpPr>
-      <p:sp>
-        <p:nvSpPr>
-          <p:cNvPr id="150" name="Google Shape;150;g2b1c408bf32_0_6"/>
+          <p:cNvPr id="140" name="Google Shape;140;g2b1c408bf32_0_6"/>
           <p:cNvSpPr txBox="1"/>
           <p:nvPr/>
         </p:nvSpPr>
@@ -9150,7 +7731,7 @@
       </p:sp>
       <p:sp>
         <p:nvSpPr>
-          <p:cNvPr id="151" name="Google Shape;151;g2b1c408bf32_0_6"/>
+          <p:cNvPr id="141" name="Google Shape;141;g2b1c408bf32_0_6"/>
           <p:cNvSpPr txBox="1"/>
           <p:nvPr/>
         </p:nvSpPr>
@@ -9207,6 +7788,46 @@
           </a:p>
         </p:txBody>
       </p:sp>
+      <p:sp>
+        <p:nvSpPr>
+          <p:cNvPr id="142" name="Google Shape;142;g2b1c408bf32_0_6"/>
+          <p:cNvSpPr txBox="1"/>
+          <p:nvPr>
+            <p:ph idx="12" type="sldNum"/>
+          </p:nvPr>
+        </p:nvSpPr>
+        <p:spPr>
+          <a:xfrm>
+            <a:off x="8556784" y="4749851"/>
+            <a:ext cx="548700" cy="393600"/>
+          </a:xfrm>
+          <a:prstGeom prst="rect">
+            <a:avLst/>
+          </a:prstGeom>
+        </p:spPr>
+        <p:txBody>
+          <a:bodyPr anchorCtr="0" anchor="t" bIns="91425" lIns="91425" spcFirstLastPara="1" rIns="91425" wrap="square" tIns="91425">
+            <a:normAutofit/>
+          </a:bodyPr>
+          <a:lstStyle/>
+          <a:p>
+            <a:pPr indent="0" lvl="0" marL="0" rtl="0" algn="r">
+              <a:spcBef>
+                <a:spcPts val="0"/>
+              </a:spcBef>
+              <a:spcAft>
+                <a:spcPts val="0"/>
+              </a:spcAft>
+              <a:buNone/>
+            </a:pPr>
+            <a:fld id="{00000000-1234-1234-1234-123412341234}" type="slidenum">
+              <a:rPr lang="en-US"/>
+              <a:t>‹#›</a:t>
+            </a:fld>
+            <a:endParaRPr/>
+          </a:p>
+        </p:txBody>
+      </p:sp>
     </p:spTree>
   </p:cSld>
   <p:clrMapOvr>
@@ -9215,7 +7836,7 @@
 </p:sld>
 </file>
 
-<file path=ppt/slides/slide16.xml><?xml version="1.0" encoding="utf-8"?>
+<file path=ppt/slides/slide12.xml><?xml version="1.0" encoding="utf-8"?>
 <p:sld xmlns:a="http://schemas.openxmlformats.org/drawingml/2006/main" xmlns:r="http://schemas.openxmlformats.org/officeDocument/2006/relationships" xmlns:mc="http://schemas.openxmlformats.org/markup-compatibility/2006" xmlns:mv="urn:schemas-microsoft-com:mac:vml" xmlns:p="http://schemas.openxmlformats.org/presentationml/2006/main" xmlns:c="http://schemas.openxmlformats.org/drawingml/2006/chart" xmlns:dgm="http://schemas.openxmlformats.org/drawingml/2006/diagram" xmlns:o="urn:schemas-microsoft-com:office:office" xmlns:v="urn:schemas-microsoft-com:vml" xmlns:pvml="urn:schemas-microsoft-com:office:powerpoint" xmlns:com="http://schemas.openxmlformats.org/drawingml/2006/compatibility" xmlns:p14="http://schemas.microsoft.com/office/powerpoint/2010/main" xmlns:p15="http://schemas.microsoft.com/office/powerpoint/2012/main" xmlns:ahyp="http://schemas.microsoft.com/office/drawing/2018/hyperlinkcolor">
   <p:cSld>
     <p:bg>
@@ -9227,7 +7848,7 @@
     </p:bg>
     <p:spTree>
       <p:nvGrpSpPr>
-        <p:cNvPr id="155" name="Shape 155"/>
+        <p:cNvPr id="146" name="Shape 146"/>
         <p:cNvGrpSpPr/>
         <p:nvPr/>
       </p:nvGrpSpPr>
@@ -9241,7 +7862,7 @@
       </p:grpSpPr>
       <p:sp>
         <p:nvSpPr>
-          <p:cNvPr id="156" name="Google Shape;156;g2b1c408bf32_0_9"/>
+          <p:cNvPr id="147" name="Google Shape;147;g2b1c408bf32_0_9"/>
           <p:cNvSpPr txBox="1"/>
           <p:nvPr/>
         </p:nvSpPr>
@@ -9297,6 +7918,46 @@
           </a:p>
         </p:txBody>
       </p:sp>
+      <p:sp>
+        <p:nvSpPr>
+          <p:cNvPr id="148" name="Google Shape;148;g2b1c408bf32_0_9"/>
+          <p:cNvSpPr txBox="1"/>
+          <p:nvPr>
+            <p:ph idx="12" type="sldNum"/>
+          </p:nvPr>
+        </p:nvSpPr>
+        <p:spPr>
+          <a:xfrm>
+            <a:off x="8556784" y="4749851"/>
+            <a:ext cx="548700" cy="393600"/>
+          </a:xfrm>
+          <a:prstGeom prst="rect">
+            <a:avLst/>
+          </a:prstGeom>
+        </p:spPr>
+        <p:txBody>
+          <a:bodyPr anchorCtr="0" anchor="t" bIns="91425" lIns="91425" spcFirstLastPara="1" rIns="91425" wrap="square" tIns="91425">
+            <a:normAutofit/>
+          </a:bodyPr>
+          <a:lstStyle/>
+          <a:p>
+            <a:pPr indent="0" lvl="0" marL="0" rtl="0" algn="r">
+              <a:spcBef>
+                <a:spcPts val="0"/>
+              </a:spcBef>
+              <a:spcAft>
+                <a:spcPts val="0"/>
+              </a:spcAft>
+              <a:buNone/>
+            </a:pPr>
+            <a:fld id="{00000000-1234-1234-1234-123412341234}" type="slidenum">
+              <a:rPr lang="en-US"/>
+              <a:t>‹#›</a:t>
+            </a:fld>
+            <a:endParaRPr/>
+          </a:p>
+        </p:txBody>
+      </p:sp>
     </p:spTree>
   </p:cSld>
   <p:clrMapOvr>
@@ -9317,7 +7978,7 @@
     </p:bg>
     <p:spTree>
       <p:nvGrpSpPr>
-        <p:cNvPr id="63" name="Shape 63"/>
+        <p:cNvPr id="65" name="Shape 65"/>
         <p:cNvGrpSpPr/>
         <p:nvPr/>
       </p:nvGrpSpPr>
@@ -9331,7 +7992,7 @@
       </p:grpSpPr>
       <p:sp>
         <p:nvSpPr>
-          <p:cNvPr id="64" name="Google Shape;64;p2"/>
+          <p:cNvPr id="66" name="Google Shape;66;p2"/>
           <p:cNvSpPr/>
           <p:nvPr/>
         </p:nvSpPr>
@@ -9383,61 +8044,7 @@
       </p:sp>
       <p:sp>
         <p:nvSpPr>
-          <p:cNvPr id="65" name="Google Shape;65;p2"/>
-          <p:cNvSpPr/>
-          <p:nvPr/>
-        </p:nvSpPr>
-        <p:spPr>
-          <a:xfrm>
-            <a:off x="7975002" y="4822421"/>
-            <a:ext cx="89700" cy="70200"/>
-          </a:xfrm>
-          <a:prstGeom prst="rect">
-            <a:avLst/>
-          </a:prstGeom>
-          <a:noFill/>
-          <a:ln>
-            <a:noFill/>
-          </a:ln>
-        </p:spPr>
-        <p:txBody>
-          <a:bodyPr anchorCtr="0" anchor="t" bIns="0" lIns="0" spcFirstLastPara="1" rIns="0" wrap="square" tIns="0">
-            <a:noAutofit/>
-          </a:bodyPr>
-          <a:lstStyle/>
-          <a:p>
-            <a:pPr indent="0" lvl="0" marL="0" marR="0" rtl="0" algn="l">
-              <a:spcBef>
-                <a:spcPts val="0"/>
-              </a:spcBef>
-              <a:spcAft>
-                <a:spcPts val="0"/>
-              </a:spcAft>
-              <a:buNone/>
-            </a:pPr>
-            <a:r>
-              <a:rPr b="0" i="0" lang="en-US" sz="1050" u="none" cap="none" strike="noStrike">
-                <a:solidFill>
-                  <a:schemeClr val="lt1"/>
-                </a:solidFill>
-                <a:latin typeface="Helvetica Neue"/>
-                <a:ea typeface="Helvetica Neue"/>
-                <a:cs typeface="Helvetica Neue"/>
-                <a:sym typeface="Helvetica Neue"/>
-              </a:rPr>
-              <a:t>1</a:t>
-            </a:r>
-            <a:endParaRPr>
-              <a:solidFill>
-                <a:schemeClr val="lt1"/>
-              </a:solidFill>
-            </a:endParaRPr>
-          </a:p>
-        </p:txBody>
-      </p:sp>
-      <p:sp>
-        <p:nvSpPr>
-          <p:cNvPr id="66" name="Google Shape;66;p2"/>
+          <p:cNvPr id="67" name="Google Shape;67;p2"/>
           <p:cNvSpPr txBox="1"/>
           <p:nvPr>
             <p:ph type="title"/>
@@ -9493,7 +8100,7 @@
       </p:sp>
       <p:sp>
         <p:nvSpPr>
-          <p:cNvPr id="67" name="Google Shape;67;p2"/>
+          <p:cNvPr id="68" name="Google Shape;68;p2"/>
           <p:cNvSpPr txBox="1"/>
           <p:nvPr>
             <p:ph idx="1" type="body"/>
@@ -9884,6 +8491,46 @@
           </a:p>
         </p:txBody>
       </p:sp>
+      <p:sp>
+        <p:nvSpPr>
+          <p:cNvPr id="69" name="Google Shape;69;p2"/>
+          <p:cNvSpPr txBox="1"/>
+          <p:nvPr>
+            <p:ph idx="12" type="sldNum"/>
+          </p:nvPr>
+        </p:nvSpPr>
+        <p:spPr>
+          <a:xfrm>
+            <a:off x="8472458" y="4663217"/>
+            <a:ext cx="548700" cy="393600"/>
+          </a:xfrm>
+          <a:prstGeom prst="rect">
+            <a:avLst/>
+          </a:prstGeom>
+        </p:spPr>
+        <p:txBody>
+          <a:bodyPr anchorCtr="0" anchor="ctr" bIns="91425" lIns="91425" spcFirstLastPara="1" rIns="91425" wrap="square" tIns="91425">
+            <a:normAutofit/>
+          </a:bodyPr>
+          <a:lstStyle/>
+          <a:p>
+            <a:pPr indent="0" lvl="0" marL="0" rtl="0" algn="r">
+              <a:spcBef>
+                <a:spcPts val="0"/>
+              </a:spcBef>
+              <a:spcAft>
+                <a:spcPts val="0"/>
+              </a:spcAft>
+              <a:buNone/>
+            </a:pPr>
+            <a:fld id="{00000000-1234-1234-1234-123412341234}" type="slidenum">
+              <a:rPr lang="en-US"/>
+              <a:t>‹#›</a:t>
+            </a:fld>
+            <a:endParaRPr/>
+          </a:p>
+        </p:txBody>
+      </p:sp>
     </p:spTree>
   </p:cSld>
   <p:clrMapOvr>
@@ -9897,7 +8544,7 @@
   <p:cSld>
     <p:spTree>
       <p:nvGrpSpPr>
-        <p:cNvPr id="71" name="Shape 71"/>
+        <p:cNvPr id="73" name="Shape 73"/>
         <p:cNvGrpSpPr/>
         <p:nvPr/>
       </p:nvGrpSpPr>
@@ -9911,7 +8558,7 @@
       </p:grpSpPr>
       <p:pic>
         <p:nvPicPr>
-          <p:cNvPr id="72" name="Google Shape;72;g2b1a236ad44_0_264"/>
+          <p:cNvPr id="74" name="Google Shape;74;g2b1a236ad44_0_264"/>
           <p:cNvPicPr preferRelativeResize="0"/>
           <p:nvPr/>
         </p:nvPicPr>
@@ -9939,7 +8586,7 @@
       </p:pic>
       <p:sp>
         <p:nvSpPr>
-          <p:cNvPr id="73" name="Google Shape;73;g2b1a236ad44_0_264"/>
+          <p:cNvPr id="75" name="Google Shape;75;g2b1a236ad44_0_264"/>
           <p:cNvSpPr txBox="1"/>
           <p:nvPr>
             <p:ph type="title"/>
@@ -9995,7 +8642,7 @@
       </p:sp>
       <p:sp>
         <p:nvSpPr>
-          <p:cNvPr id="74" name="Google Shape;74;g2b1a236ad44_0_264"/>
+          <p:cNvPr id="76" name="Google Shape;76;g2b1a236ad44_0_264"/>
           <p:cNvSpPr txBox="1"/>
           <p:nvPr/>
         </p:nvSpPr>
@@ -10031,6 +8678,46 @@
               <a:rPr lang="en-US"/>
               <a:t>￼</a:t>
             </a:r>
+            <a:endParaRPr/>
+          </a:p>
+        </p:txBody>
+      </p:sp>
+      <p:sp>
+        <p:nvSpPr>
+          <p:cNvPr id="77" name="Google Shape;77;g2b1a236ad44_0_264"/>
+          <p:cNvSpPr txBox="1"/>
+          <p:nvPr>
+            <p:ph idx="12" type="sldNum"/>
+          </p:nvPr>
+        </p:nvSpPr>
+        <p:spPr>
+          <a:xfrm>
+            <a:off x="8472458" y="4663217"/>
+            <a:ext cx="548700" cy="393600"/>
+          </a:xfrm>
+          <a:prstGeom prst="rect">
+            <a:avLst/>
+          </a:prstGeom>
+        </p:spPr>
+        <p:txBody>
+          <a:bodyPr anchorCtr="0" anchor="ctr" bIns="91425" lIns="91425" spcFirstLastPara="1" rIns="91425" wrap="square" tIns="91425">
+            <a:normAutofit/>
+          </a:bodyPr>
+          <a:lstStyle/>
+          <a:p>
+            <a:pPr indent="0" lvl="0" marL="0" rtl="0" algn="r">
+              <a:spcBef>
+                <a:spcPts val="0"/>
+              </a:spcBef>
+              <a:spcAft>
+                <a:spcPts val="0"/>
+              </a:spcAft>
+              <a:buNone/>
+            </a:pPr>
+            <a:fld id="{00000000-1234-1234-1234-123412341234}" type="slidenum">
+              <a:rPr lang="en-US"/>
+              <a:t>‹#›</a:t>
+            </a:fld>
             <a:endParaRPr/>
           </a:p>
         </p:txBody>
@@ -10055,7 +8742,7 @@
     </p:bg>
     <p:spTree>
       <p:nvGrpSpPr>
-        <p:cNvPr id="78" name="Shape 78"/>
+        <p:cNvPr id="81" name="Shape 81"/>
         <p:cNvGrpSpPr/>
         <p:nvPr/>
       </p:nvGrpSpPr>
@@ -10069,22 +8756,21 @@
       </p:grpSpPr>
       <p:pic>
         <p:nvPicPr>
-          <p:cNvPr id="79" name="Google Shape;79;g2b1c408bf32_0_0"/>
+          <p:cNvPr id="82" name="Google Shape;82;g2b1c408bf32_0_0"/>
           <p:cNvPicPr preferRelativeResize="0"/>
           <p:nvPr/>
         </p:nvPicPr>
-        <p:blipFill>
+        <p:blipFill rotWithShape="1">
           <a:blip r:embed="rId3">
             <a:alphaModFix/>
           </a:blip>
-          <a:stretch>
-            <a:fillRect/>
-          </a:stretch>
+          <a:srcRect b="0" l="19168" r="3510" t="0"/>
+          <a:stretch/>
         </p:blipFill>
         <p:spPr>
           <a:xfrm>
-            <a:off x="0" y="1342825"/>
-            <a:ext cx="9144000" cy="4335225"/>
+            <a:off x="0" y="1449000"/>
+            <a:ext cx="6025450" cy="3694500"/>
           </a:xfrm>
           <a:prstGeom prst="rect">
             <a:avLst/>
@@ -10097,7 +8783,7 @@
       </p:pic>
       <p:sp>
         <p:nvSpPr>
-          <p:cNvPr id="80" name="Google Shape;80;g2b1c408bf32_0_0"/>
+          <p:cNvPr id="83" name="Google Shape;83;g2b1c408bf32_0_0"/>
           <p:cNvSpPr txBox="1"/>
           <p:nvPr>
             <p:ph type="title"/>
@@ -10140,6 +8826,127 @@
               <a:t>Vulnerability Scanner</a:t>
             </a:r>
             <a:endParaRPr b="1" sz="7000">
+              <a:solidFill>
+                <a:schemeClr val="lt1"/>
+              </a:solidFill>
+              <a:latin typeface="Times New Roman"/>
+              <a:ea typeface="Times New Roman"/>
+              <a:cs typeface="Times New Roman"/>
+              <a:sym typeface="Times New Roman"/>
+            </a:endParaRPr>
+          </a:p>
+        </p:txBody>
+      </p:sp>
+      <p:sp>
+        <p:nvSpPr>
+          <p:cNvPr id="84" name="Google Shape;84;g2b1c408bf32_0_0"/>
+          <p:cNvSpPr txBox="1"/>
+          <p:nvPr>
+            <p:ph idx="12" type="sldNum"/>
+          </p:nvPr>
+        </p:nvSpPr>
+        <p:spPr>
+          <a:xfrm>
+            <a:off x="8472458" y="4663217"/>
+            <a:ext cx="548700" cy="393600"/>
+          </a:xfrm>
+          <a:prstGeom prst="rect">
+            <a:avLst/>
+          </a:prstGeom>
+        </p:spPr>
+        <p:txBody>
+          <a:bodyPr anchorCtr="0" anchor="ctr" bIns="91425" lIns="91425" spcFirstLastPara="1" rIns="91425" wrap="square" tIns="91425">
+            <a:normAutofit/>
+          </a:bodyPr>
+          <a:lstStyle/>
+          <a:p>
+            <a:pPr indent="0" lvl="0" marL="0" rtl="0" algn="r">
+              <a:spcBef>
+                <a:spcPts val="0"/>
+              </a:spcBef>
+              <a:spcAft>
+                <a:spcPts val="0"/>
+              </a:spcAft>
+              <a:buNone/>
+            </a:pPr>
+            <a:fld id="{00000000-1234-1234-1234-123412341234}" type="slidenum">
+              <a:rPr lang="en-US"/>
+              <a:t>‹#›</a:t>
+            </a:fld>
+            <a:endParaRPr/>
+          </a:p>
+        </p:txBody>
+      </p:sp>
+      <p:sp>
+        <p:nvSpPr>
+          <p:cNvPr id="85" name="Google Shape;85;g2b1c408bf32_0_0"/>
+          <p:cNvSpPr txBox="1"/>
+          <p:nvPr/>
+        </p:nvSpPr>
+        <p:spPr>
+          <a:xfrm>
+            <a:off x="6235925" y="2190450"/>
+            <a:ext cx="2693100" cy="762600"/>
+          </a:xfrm>
+          <a:prstGeom prst="rect">
+            <a:avLst/>
+          </a:prstGeom>
+          <a:noFill/>
+          <a:ln>
+            <a:noFill/>
+          </a:ln>
+        </p:spPr>
+        <p:txBody>
+          <a:bodyPr anchorCtr="0" anchor="t" bIns="91425" lIns="91425" spcFirstLastPara="1" rIns="91425" wrap="square" tIns="91425">
+            <a:noAutofit/>
+          </a:bodyPr>
+          <a:lstStyle/>
+          <a:p>
+            <a:pPr indent="0" lvl="0" marL="0" rtl="0" algn="l">
+              <a:spcBef>
+                <a:spcPts val="0"/>
+              </a:spcBef>
+              <a:spcAft>
+                <a:spcPts val="0"/>
+              </a:spcAft>
+              <a:buNone/>
+            </a:pPr>
+            <a:r>
+              <a:rPr lang="en-US" sz="1800">
+                <a:solidFill>
+                  <a:schemeClr val="lt1"/>
+                </a:solidFill>
+                <a:latin typeface="Times New Roman"/>
+                <a:ea typeface="Times New Roman"/>
+                <a:cs typeface="Times New Roman"/>
+                <a:sym typeface="Times New Roman"/>
+              </a:rPr>
+              <a:t>Scan Bug From a Hacker Perspective</a:t>
+            </a:r>
+            <a:endParaRPr sz="1800">
+              <a:solidFill>
+                <a:schemeClr val="lt1"/>
+              </a:solidFill>
+              <a:latin typeface="Times New Roman"/>
+              <a:ea typeface="Times New Roman"/>
+              <a:cs typeface="Times New Roman"/>
+              <a:sym typeface="Times New Roman"/>
+            </a:endParaRPr>
+          </a:p>
+          <a:p>
+            <a:pPr indent="0" lvl="0" marL="0" rtl="0" algn="l">
+              <a:spcBef>
+                <a:spcPts val="0"/>
+              </a:spcBef>
+              <a:spcAft>
+                <a:spcPts val="0"/>
+              </a:spcAft>
+              <a:buNone/>
+            </a:pPr>
+            <a:r>
+              <a:t/>
+            </a:r>
+            <a:endParaRPr sz="1800">
               <a:solidFill>
                 <a:schemeClr val="lt1"/>
               </a:solidFill>
@@ -10171,7 +8978,7 @@
     </p:bg>
     <p:spTree>
       <p:nvGrpSpPr>
-        <p:cNvPr id="84" name="Shape 84"/>
+        <p:cNvPr id="89" name="Shape 89"/>
         <p:cNvGrpSpPr/>
         <p:nvPr/>
       </p:nvGrpSpPr>
@@ -10185,7 +8992,7 @@
       </p:grpSpPr>
       <p:sp>
         <p:nvSpPr>
-          <p:cNvPr id="85" name="Google Shape;85;g2b1a236ad44_0_248"/>
+          <p:cNvPr id="90" name="Google Shape;90;g2b1a236ad44_0_248"/>
           <p:cNvSpPr/>
           <p:nvPr/>
         </p:nvSpPr>
@@ -10232,7 +9039,7 @@
       </p:sp>
       <p:sp>
         <p:nvSpPr>
-          <p:cNvPr id="86" name="Google Shape;86;g2b1a236ad44_0_248"/>
+          <p:cNvPr id="91" name="Google Shape;91;g2b1a236ad44_0_248"/>
           <p:cNvSpPr/>
           <p:nvPr/>
         </p:nvSpPr>
@@ -10366,7 +9173,7 @@
       </p:sp>
       <p:sp>
         <p:nvSpPr>
-          <p:cNvPr id="87" name="Google Shape;87;g2b1a236ad44_0_248"/>
+          <p:cNvPr id="92" name="Google Shape;92;g2b1a236ad44_0_248"/>
           <p:cNvSpPr txBox="1"/>
           <p:nvPr/>
         </p:nvSpPr>
@@ -10421,6 +9228,46 @@
           </a:p>
         </p:txBody>
       </p:sp>
+      <p:sp>
+        <p:nvSpPr>
+          <p:cNvPr id="93" name="Google Shape;93;g2b1a236ad44_0_248"/>
+          <p:cNvSpPr txBox="1"/>
+          <p:nvPr>
+            <p:ph idx="12" type="sldNum"/>
+          </p:nvPr>
+        </p:nvSpPr>
+        <p:spPr>
+          <a:xfrm>
+            <a:off x="8556784" y="4749851"/>
+            <a:ext cx="548700" cy="393600"/>
+          </a:xfrm>
+          <a:prstGeom prst="rect">
+            <a:avLst/>
+          </a:prstGeom>
+        </p:spPr>
+        <p:txBody>
+          <a:bodyPr anchorCtr="0" anchor="t" bIns="91425" lIns="91425" spcFirstLastPara="1" rIns="91425" wrap="square" tIns="91425">
+            <a:normAutofit/>
+          </a:bodyPr>
+          <a:lstStyle/>
+          <a:p>
+            <a:pPr indent="0" lvl="0" marL="0" rtl="0" algn="r">
+              <a:spcBef>
+                <a:spcPts val="0"/>
+              </a:spcBef>
+              <a:spcAft>
+                <a:spcPts val="0"/>
+              </a:spcAft>
+              <a:buNone/>
+            </a:pPr>
+            <a:fld id="{00000000-1234-1234-1234-123412341234}" type="slidenum">
+              <a:rPr lang="en-US"/>
+              <a:t>‹#›</a:t>
+            </a:fld>
+            <a:endParaRPr/>
+          </a:p>
+        </p:txBody>
+      </p:sp>
     </p:spTree>
   </p:cSld>
   <p:clrMapOvr>
@@ -10441,7 +9288,7 @@
     </p:bg>
     <p:spTree>
       <p:nvGrpSpPr>
-        <p:cNvPr id="91" name="Shape 91"/>
+        <p:cNvPr id="97" name="Shape 97"/>
         <p:cNvGrpSpPr/>
         <p:nvPr/>
       </p:nvGrpSpPr>
@@ -10455,7 +9302,7 @@
       </p:grpSpPr>
       <p:sp>
         <p:nvSpPr>
-          <p:cNvPr id="92" name="Google Shape;92;g2b1a236ad44_0_255"/>
+          <p:cNvPr id="98" name="Google Shape;98;g2b1a236ad44_0_255"/>
           <p:cNvSpPr/>
           <p:nvPr/>
         </p:nvSpPr>
@@ -10500,7 +9347,7 @@
       </p:sp>
       <p:sp>
         <p:nvSpPr>
-          <p:cNvPr id="93" name="Google Shape;93;g2b1a236ad44_0_255"/>
+          <p:cNvPr id="99" name="Google Shape;99;g2b1a236ad44_0_255"/>
           <p:cNvSpPr txBox="1"/>
           <p:nvPr>
             <p:ph type="title"/>
@@ -10556,7 +9403,7 @@
       </p:sp>
       <p:sp>
         <p:nvSpPr>
-          <p:cNvPr id="94" name="Google Shape;94;g2b1a236ad44_0_255"/>
+          <p:cNvPr id="100" name="Google Shape;100;g2b1a236ad44_0_255"/>
           <p:cNvSpPr txBox="1"/>
           <p:nvPr>
             <p:ph idx="1" type="body"/>
@@ -10604,7 +9451,7 @@
                 <a:cs typeface="Times New Roman"/>
                 <a:sym typeface="Times New Roman"/>
               </a:rPr>
-              <a:t>Node.js</a:t>
+              <a:t>Node.js </a:t>
             </a:r>
             <a:endParaRPr>
               <a:solidFill>
@@ -10698,48 +9545,56 @@
           </a:p>
         </p:txBody>
       </p:sp>
-    </p:spTree>
-  </p:cSld>
-  <p:clrMapOvr>
-    <a:masterClrMapping/>
-  </p:clrMapOvr>
-</p:sld>
-</file>
-
-<file path=ppt/slides/slide7.xml><?xml version="1.0" encoding="utf-8"?>
-<p:sld xmlns:a="http://schemas.openxmlformats.org/drawingml/2006/main" xmlns:r="http://schemas.openxmlformats.org/officeDocument/2006/relationships" xmlns:mc="http://schemas.openxmlformats.org/markup-compatibility/2006" xmlns:mv="urn:schemas-microsoft-com:mac:vml" xmlns:p="http://schemas.openxmlformats.org/presentationml/2006/main" xmlns:c="http://schemas.openxmlformats.org/drawingml/2006/chart" xmlns:dgm="http://schemas.openxmlformats.org/drawingml/2006/diagram" xmlns:o="urn:schemas-microsoft-com:office:office" xmlns:v="urn:schemas-microsoft-com:vml" xmlns:pvml="urn:schemas-microsoft-com:office:powerpoint" xmlns:com="http://schemas.openxmlformats.org/drawingml/2006/compatibility" xmlns:p14="http://schemas.microsoft.com/office/powerpoint/2010/main" xmlns:p15="http://schemas.microsoft.com/office/powerpoint/2012/main" xmlns:ahyp="http://schemas.microsoft.com/office/drawing/2018/hyperlinkcolor">
-  <p:cSld>
-    <p:bg>
-      <p:bgPr>
-        <a:solidFill>
-          <a:schemeClr val="dk1"/>
-        </a:solidFill>
-      </p:bgPr>
-    </p:bg>
-    <p:spTree>
-      <p:nvGrpSpPr>
-        <p:cNvPr id="98" name="Shape 98"/>
-        <p:cNvGrpSpPr/>
-        <p:nvPr/>
-      </p:nvGrpSpPr>
-      <p:grpSpPr>
-        <a:xfrm>
-          <a:off x="0" y="0"/>
-          <a:ext cx="0" cy="0"/>
-          <a:chOff x="0" y="0"/>
-          <a:chExt cx="0" cy="0"/>
-        </a:xfrm>
-      </p:grpSpPr>
       <p:sp>
         <p:nvSpPr>
-          <p:cNvPr id="99" name="Google Shape;99;g2b1c408bf32_0_20"/>
+          <p:cNvPr id="101" name="Google Shape;101;g2b1a236ad44_0_255"/>
+          <p:cNvSpPr txBox="1"/>
+          <p:nvPr>
+            <p:ph idx="12" type="sldNum"/>
+          </p:nvPr>
+        </p:nvSpPr>
+        <p:spPr>
+          <a:xfrm>
+            <a:off x="8472458" y="4663217"/>
+            <a:ext cx="548700" cy="393600"/>
+          </a:xfrm>
+          <a:prstGeom prst="rect">
+            <a:avLst/>
+          </a:prstGeom>
+        </p:spPr>
+        <p:txBody>
+          <a:bodyPr anchorCtr="0" anchor="ctr" bIns="91425" lIns="91425" spcFirstLastPara="1" rIns="91425" wrap="square" tIns="91425">
+            <a:normAutofit/>
+          </a:bodyPr>
+          <a:lstStyle/>
+          <a:p>
+            <a:pPr indent="0" lvl="0" marL="0" rtl="0" algn="r">
+              <a:spcBef>
+                <a:spcPts val="0"/>
+              </a:spcBef>
+              <a:spcAft>
+                <a:spcPts val="0"/>
+              </a:spcAft>
+              <a:buNone/>
+            </a:pPr>
+            <a:fld id="{00000000-1234-1234-1234-123412341234}" type="slidenum">
+              <a:rPr lang="en-US"/>
+              <a:t>‹#›</a:t>
+            </a:fld>
+            <a:endParaRPr/>
+          </a:p>
+        </p:txBody>
+      </p:sp>
+      <p:sp>
+        <p:nvSpPr>
+          <p:cNvPr id="102" name="Google Shape;102;g2b1a236ad44_0_255"/>
           <p:cNvSpPr/>
           <p:nvPr/>
         </p:nvSpPr>
         <p:spPr>
           <a:xfrm>
-            <a:off x="311625" y="280800"/>
-            <a:ext cx="8533800" cy="1119000"/>
+            <a:off x="311700" y="2502950"/>
+            <a:ext cx="4548600" cy="549900"/>
           </a:xfrm>
           <a:prstGeom prst="rect">
             <a:avLst/>
@@ -10768,7 +9623,7 @@
               <a:buNone/>
             </a:pPr>
             <a:r>
-              <a:rPr b="1" lang="en-US" sz="7000">
+              <a:rPr b="1" lang="en-US" sz="1800">
                 <a:solidFill>
                   <a:schemeClr val="lt1"/>
                 </a:solidFill>
@@ -10779,7 +9634,7 @@
               </a:rPr>
               <a:t>Website</a:t>
             </a:r>
-            <a:endParaRPr b="1" sz="7000">
+            <a:endParaRPr b="1" sz="1800">
               <a:solidFill>
                 <a:schemeClr val="lt1"/>
               </a:solidFill>
@@ -10793,7 +9648,7 @@
       </p:sp>
       <p:pic>
         <p:nvPicPr>
-          <p:cNvPr id="100" name="Google Shape;100;g2b1c408bf32_0_20"/>
+          <p:cNvPr id="103" name="Google Shape;103;g2b1a236ad44_0_255"/>
           <p:cNvPicPr preferRelativeResize="0"/>
           <p:nvPr/>
         </p:nvPicPr>
@@ -10807,8 +9662,8 @@
         </p:blipFill>
         <p:spPr>
           <a:xfrm>
-            <a:off x="5229200" y="1704600"/>
-            <a:ext cx="3226475" cy="3226475"/>
+            <a:off x="2932766" y="3202647"/>
+            <a:ext cx="1719710" cy="1585585"/>
           </a:xfrm>
           <a:prstGeom prst="rect">
             <a:avLst/>
@@ -10821,7 +9676,7 @@
       </p:pic>
       <p:pic>
         <p:nvPicPr>
-          <p:cNvPr id="101" name="Google Shape;101;g2b1c408bf32_0_20"/>
+          <p:cNvPr id="104" name="Google Shape;104;g2b1a236ad44_0_255"/>
           <p:cNvPicPr preferRelativeResize="0"/>
           <p:nvPr/>
         </p:nvPicPr>
@@ -10835,8 +9690,8 @@
         </p:blipFill>
         <p:spPr>
           <a:xfrm>
-            <a:off x="971050" y="1704600"/>
-            <a:ext cx="3438900" cy="3438900"/>
+            <a:off x="663173" y="3202648"/>
+            <a:ext cx="1832933" cy="1689978"/>
           </a:xfrm>
           <a:prstGeom prst="rect">
             <a:avLst/>
@@ -10847,48 +9702,56 @@
           </a:ln>
         </p:spPr>
       </p:pic>
-    </p:spTree>
-  </p:cSld>
-  <p:clrMapOvr>
-    <a:masterClrMapping/>
-  </p:clrMapOvr>
-</p:sld>
-</file>
-
-<file path=ppt/slides/slide8.xml><?xml version="1.0" encoding="utf-8"?>
-<p:sld xmlns:a="http://schemas.openxmlformats.org/drawingml/2006/main" xmlns:r="http://schemas.openxmlformats.org/officeDocument/2006/relationships" xmlns:mc="http://schemas.openxmlformats.org/markup-compatibility/2006" xmlns:mv="urn:schemas-microsoft-com:mac:vml" xmlns:p="http://schemas.openxmlformats.org/presentationml/2006/main" xmlns:c="http://schemas.openxmlformats.org/drawingml/2006/chart" xmlns:dgm="http://schemas.openxmlformats.org/drawingml/2006/diagram" xmlns:o="urn:schemas-microsoft-com:office:office" xmlns:v="urn:schemas-microsoft-com:vml" xmlns:pvml="urn:schemas-microsoft-com:office:powerpoint" xmlns:com="http://schemas.openxmlformats.org/drawingml/2006/compatibility" xmlns:p14="http://schemas.microsoft.com/office/powerpoint/2010/main" xmlns:p15="http://schemas.microsoft.com/office/powerpoint/2012/main" xmlns:ahyp="http://schemas.microsoft.com/office/drawing/2018/hyperlinkcolor">
-  <p:cSld>
-    <p:bg>
-      <p:bgPr>
-        <a:solidFill>
-          <a:schemeClr val="dk1"/>
-        </a:solidFill>
-      </p:bgPr>
-    </p:bg>
-    <p:spTree>
-      <p:nvGrpSpPr>
-        <p:cNvPr id="105" name="Shape 105"/>
-        <p:cNvGrpSpPr/>
-        <p:nvPr/>
-      </p:nvGrpSpPr>
-      <p:grpSpPr>
-        <a:xfrm>
-          <a:off x="0" y="0"/>
-          <a:ext cx="0" cy="0"/>
-          <a:chOff x="0" y="0"/>
-          <a:chExt cx="0" cy="0"/>
-        </a:xfrm>
-      </p:grpSpPr>
       <p:sp>
         <p:nvSpPr>
-          <p:cNvPr id="106" name="Google Shape;106;g2b1c408bf32_0_25"/>
+          <p:cNvPr id="105" name="Google Shape;105;g2b1a236ad44_0_255"/>
+          <p:cNvSpPr txBox="1"/>
+          <p:nvPr>
+            <p:ph idx="12" type="sldNum"/>
+          </p:nvPr>
+        </p:nvSpPr>
+        <p:spPr>
+          <a:xfrm>
+            <a:off x="4661421" y="4656600"/>
+            <a:ext cx="292500" cy="193500"/>
+          </a:xfrm>
+          <a:prstGeom prst="rect">
+            <a:avLst/>
+          </a:prstGeom>
+        </p:spPr>
+        <p:txBody>
+          <a:bodyPr anchorCtr="0" anchor="ctr" bIns="91425" lIns="91425" spcFirstLastPara="1" rIns="91425" wrap="square" tIns="91425">
+            <a:normAutofit fontScale="25000" lnSpcReduction="20000"/>
+          </a:bodyPr>
+          <a:lstStyle/>
+          <a:p>
+            <a:pPr indent="0" lvl="0" marL="0" rtl="0" algn="r">
+              <a:spcBef>
+                <a:spcPts val="0"/>
+              </a:spcBef>
+              <a:spcAft>
+                <a:spcPts val="0"/>
+              </a:spcAft>
+              <a:buNone/>
+            </a:pPr>
+            <a:fld id="{00000000-1234-1234-1234-123412341234}" type="slidenum">
+              <a:rPr lang="en-US"/>
+              <a:t>‹#›</a:t>
+            </a:fld>
+            <a:endParaRPr/>
+          </a:p>
+        </p:txBody>
+      </p:sp>
+      <p:sp>
+        <p:nvSpPr>
+          <p:cNvPr id="106" name="Google Shape;106;g2b1a236ad44_0_255"/>
           <p:cNvSpPr/>
           <p:nvPr/>
         </p:nvSpPr>
         <p:spPr>
           <a:xfrm>
-            <a:off x="0" y="273100"/>
-            <a:ext cx="9144000" cy="1121100"/>
+            <a:off x="4953925" y="2579300"/>
+            <a:ext cx="4134300" cy="532500"/>
           </a:xfrm>
           <a:prstGeom prst="rect">
             <a:avLst/>
@@ -10917,7 +9780,7 @@
               <a:buNone/>
             </a:pPr>
             <a:r>
-              <a:rPr b="1" lang="en-US" sz="7000">
+              <a:rPr b="1" lang="en-US" sz="1800">
                 <a:solidFill>
                   <a:schemeClr val="lt1"/>
                 </a:solidFill>
@@ -10928,7 +9791,7 @@
               </a:rPr>
               <a:t>Scripts</a:t>
             </a:r>
-            <a:endParaRPr b="1" sz="7000">
+            <a:endParaRPr b="1" sz="1800">
               <a:solidFill>
                 <a:schemeClr val="lt1"/>
               </a:solidFill>
@@ -10942,12 +9805,12 @@
       </p:sp>
       <p:pic>
         <p:nvPicPr>
-          <p:cNvPr id="107" name="Google Shape;107;g2b1c408bf32_0_25"/>
+          <p:cNvPr id="107" name="Google Shape;107;g2b1a236ad44_0_255"/>
           <p:cNvPicPr preferRelativeResize="0"/>
           <p:nvPr/>
         </p:nvPicPr>
         <p:blipFill rotWithShape="1">
-          <a:blip r:embed="rId3">
+          <a:blip r:embed="rId5">
             <a:alphaModFix/>
           </a:blip>
           <a:srcRect b="1739" l="0" r="0" t="0"/>
@@ -10955,8 +9818,8 @@
         </p:blipFill>
         <p:spPr>
           <a:xfrm>
-            <a:off x="1117600" y="1759000"/>
-            <a:ext cx="6908799" cy="3384501"/>
+            <a:off x="5459170" y="3191655"/>
+            <a:ext cx="3123800" cy="1607557"/>
           </a:xfrm>
           <a:prstGeom prst="rect">
             <a:avLst/>
@@ -10975,7 +9838,7 @@
 </p:sld>
 </file>
 
-<file path=ppt/slides/slide9.xml><?xml version="1.0" encoding="utf-8"?>
+<file path=ppt/slides/slide7.xml><?xml version="1.0" encoding="utf-8"?>
 <p:sld xmlns:a="http://schemas.openxmlformats.org/drawingml/2006/main" xmlns:r="http://schemas.openxmlformats.org/officeDocument/2006/relationships" xmlns:mc="http://schemas.openxmlformats.org/markup-compatibility/2006" xmlns:mv="urn:schemas-microsoft-com:mac:vml" xmlns:p="http://schemas.openxmlformats.org/presentationml/2006/main" xmlns:c="http://schemas.openxmlformats.org/drawingml/2006/chart" xmlns:dgm="http://schemas.openxmlformats.org/drawingml/2006/diagram" xmlns:o="urn:schemas-microsoft-com:office:office" xmlns:v="urn:schemas-microsoft-com:vml" xmlns:pvml="urn:schemas-microsoft-com:office:powerpoint" xmlns:com="http://schemas.openxmlformats.org/drawingml/2006/compatibility" xmlns:p14="http://schemas.microsoft.com/office/powerpoint/2010/main" xmlns:p15="http://schemas.microsoft.com/office/powerpoint/2012/main" xmlns:ahyp="http://schemas.microsoft.com/office/drawing/2018/hyperlinkcolor">
   <p:cSld>
     <p:bg>
@@ -11328,6 +10191,659 @@
               <a:cs typeface="Times New Roman"/>
               <a:sym typeface="Times New Roman"/>
             </a:endParaRPr>
+          </a:p>
+        </p:txBody>
+      </p:sp>
+      <p:sp>
+        <p:nvSpPr>
+          <p:cNvPr id="115" name="Google Shape;115;p3"/>
+          <p:cNvSpPr txBox="1"/>
+          <p:nvPr>
+            <p:ph idx="12" type="sldNum"/>
+          </p:nvPr>
+        </p:nvSpPr>
+        <p:spPr>
+          <a:xfrm>
+            <a:off x="8472458" y="4663217"/>
+            <a:ext cx="548700" cy="393600"/>
+          </a:xfrm>
+          <a:prstGeom prst="rect">
+            <a:avLst/>
+          </a:prstGeom>
+        </p:spPr>
+        <p:txBody>
+          <a:bodyPr anchorCtr="0" anchor="ctr" bIns="91425" lIns="91425" spcFirstLastPara="1" rIns="91425" wrap="square" tIns="91425">
+            <a:normAutofit/>
+          </a:bodyPr>
+          <a:lstStyle/>
+          <a:p>
+            <a:pPr indent="0" lvl="0" marL="0" rtl="0" algn="r">
+              <a:spcBef>
+                <a:spcPts val="0"/>
+              </a:spcBef>
+              <a:spcAft>
+                <a:spcPts val="0"/>
+              </a:spcAft>
+              <a:buNone/>
+            </a:pPr>
+            <a:fld id="{00000000-1234-1234-1234-123412341234}" type="slidenum">
+              <a:rPr lang="en-US"/>
+              <a:t>‹#›</a:t>
+            </a:fld>
+            <a:endParaRPr/>
+          </a:p>
+        </p:txBody>
+      </p:sp>
+    </p:spTree>
+  </p:cSld>
+  <p:clrMapOvr>
+    <a:masterClrMapping/>
+  </p:clrMapOvr>
+</p:sld>
+</file>
+
+<file path=ppt/slides/slide8.xml><?xml version="1.0" encoding="utf-8"?>
+<p:sld xmlns:a="http://schemas.openxmlformats.org/drawingml/2006/main" xmlns:r="http://schemas.openxmlformats.org/officeDocument/2006/relationships" xmlns:mc="http://schemas.openxmlformats.org/markup-compatibility/2006" xmlns:mv="urn:schemas-microsoft-com:mac:vml" xmlns:p="http://schemas.openxmlformats.org/presentationml/2006/main" xmlns:c="http://schemas.openxmlformats.org/drawingml/2006/chart" xmlns:dgm="http://schemas.openxmlformats.org/drawingml/2006/diagram" xmlns:o="urn:schemas-microsoft-com:office:office" xmlns:v="urn:schemas-microsoft-com:vml" xmlns:pvml="urn:schemas-microsoft-com:office:powerpoint" xmlns:com="http://schemas.openxmlformats.org/drawingml/2006/compatibility" xmlns:p14="http://schemas.microsoft.com/office/powerpoint/2010/main" xmlns:p15="http://schemas.microsoft.com/office/powerpoint/2012/main" xmlns:ahyp="http://schemas.microsoft.com/office/drawing/2018/hyperlinkcolor">
+  <p:cSld>
+    <p:bg>
+      <p:bgPr>
+        <a:solidFill>
+          <a:schemeClr val="dk1"/>
+        </a:solidFill>
+      </p:bgPr>
+    </p:bg>
+    <p:spTree>
+      <p:nvGrpSpPr>
+        <p:cNvPr id="119" name="Shape 119"/>
+        <p:cNvGrpSpPr/>
+        <p:nvPr/>
+      </p:nvGrpSpPr>
+      <p:grpSpPr>
+        <a:xfrm>
+          <a:off x="0" y="0"/>
+          <a:ext cx="0" cy="0"/>
+          <a:chOff x="0" y="0"/>
+          <a:chExt cx="0" cy="0"/>
+        </a:xfrm>
+      </p:grpSpPr>
+      <p:pic>
+        <p:nvPicPr>
+          <p:cNvPr id="120" name="Google Shape;120;g2b1c408bf32_0_62"/>
+          <p:cNvPicPr preferRelativeResize="0"/>
+          <p:nvPr/>
+        </p:nvPicPr>
+        <p:blipFill>
+          <a:blip r:embed="rId3">
+            <a:alphaModFix/>
+          </a:blip>
+          <a:stretch>
+            <a:fillRect/>
+          </a:stretch>
+        </p:blipFill>
+        <p:spPr>
+          <a:xfrm>
+            <a:off x="523875" y="323850"/>
+            <a:ext cx="8096250" cy="4495800"/>
+          </a:xfrm>
+          <a:prstGeom prst="rect">
+            <a:avLst/>
+          </a:prstGeom>
+          <a:noFill/>
+          <a:ln>
+            <a:noFill/>
+          </a:ln>
+        </p:spPr>
+      </p:pic>
+      <p:sp>
+        <p:nvSpPr>
+          <p:cNvPr id="121" name="Google Shape;121;g2b1c408bf32_0_62"/>
+          <p:cNvSpPr txBox="1"/>
+          <p:nvPr>
+            <p:ph idx="12" type="sldNum"/>
+          </p:nvPr>
+        </p:nvSpPr>
+        <p:spPr>
+          <a:xfrm>
+            <a:off x="8472458" y="4663217"/>
+            <a:ext cx="548700" cy="393600"/>
+          </a:xfrm>
+          <a:prstGeom prst="rect">
+            <a:avLst/>
+          </a:prstGeom>
+        </p:spPr>
+        <p:txBody>
+          <a:bodyPr anchorCtr="0" anchor="ctr" bIns="91425" lIns="91425" spcFirstLastPara="1" rIns="91425" wrap="square" tIns="91425">
+            <a:normAutofit/>
+          </a:bodyPr>
+          <a:lstStyle/>
+          <a:p>
+            <a:pPr indent="0" lvl="0" marL="0" rtl="0" algn="r">
+              <a:spcBef>
+                <a:spcPts val="0"/>
+              </a:spcBef>
+              <a:spcAft>
+                <a:spcPts val="0"/>
+              </a:spcAft>
+              <a:buNone/>
+            </a:pPr>
+            <a:fld id="{00000000-1234-1234-1234-123412341234}" type="slidenum">
+              <a:rPr lang="en-US"/>
+              <a:t>‹#›</a:t>
+            </a:fld>
+            <a:endParaRPr/>
+          </a:p>
+        </p:txBody>
+      </p:sp>
+    </p:spTree>
+  </p:cSld>
+  <p:clrMapOvr>
+    <a:masterClrMapping/>
+  </p:clrMapOvr>
+</p:sld>
+</file>
+
+<file path=ppt/slides/slide9.xml><?xml version="1.0" encoding="utf-8"?>
+<p:sld xmlns:a="http://schemas.openxmlformats.org/drawingml/2006/main" xmlns:r="http://schemas.openxmlformats.org/officeDocument/2006/relationships" xmlns:mc="http://schemas.openxmlformats.org/markup-compatibility/2006" xmlns:mv="urn:schemas-microsoft-com:mac:vml" xmlns:p="http://schemas.openxmlformats.org/presentationml/2006/main" xmlns:c="http://schemas.openxmlformats.org/drawingml/2006/chart" xmlns:dgm="http://schemas.openxmlformats.org/drawingml/2006/diagram" xmlns:o="urn:schemas-microsoft-com:office:office" xmlns:v="urn:schemas-microsoft-com:vml" xmlns:pvml="urn:schemas-microsoft-com:office:powerpoint" xmlns:com="http://schemas.openxmlformats.org/drawingml/2006/compatibility" xmlns:p14="http://schemas.microsoft.com/office/powerpoint/2010/main" xmlns:p15="http://schemas.microsoft.com/office/powerpoint/2012/main" xmlns:ahyp="http://schemas.microsoft.com/office/drawing/2018/hyperlinkcolor">
+  <p:cSld>
+    <p:bg>
+      <p:bgPr>
+        <a:solidFill>
+          <a:schemeClr val="dk1"/>
+        </a:solidFill>
+      </p:bgPr>
+    </p:bg>
+    <p:spTree>
+      <p:nvGrpSpPr>
+        <p:cNvPr id="125" name="Shape 125"/>
+        <p:cNvGrpSpPr/>
+        <p:nvPr/>
+      </p:nvGrpSpPr>
+      <p:grpSpPr>
+        <a:xfrm>
+          <a:off x="0" y="0"/>
+          <a:ext cx="0" cy="0"/>
+          <a:chOff x="0" y="0"/>
+          <a:chExt cx="0" cy="0"/>
+        </a:xfrm>
+      </p:grpSpPr>
+      <p:sp>
+        <p:nvSpPr>
+          <p:cNvPr id="126" name="Google Shape;126;p4"/>
+          <p:cNvSpPr/>
+          <p:nvPr/>
+        </p:nvSpPr>
+        <p:spPr>
+          <a:xfrm>
+            <a:off x="606900" y="1145650"/>
+            <a:ext cx="6396300" cy="3242100"/>
+          </a:xfrm>
+          <a:prstGeom prst="rect">
+            <a:avLst/>
+          </a:prstGeom>
+          <a:noFill/>
+          <a:ln>
+            <a:noFill/>
+          </a:ln>
+        </p:spPr>
+        <p:txBody>
+          <a:bodyPr anchorCtr="0" anchor="t" bIns="0" lIns="0" spcFirstLastPara="1" rIns="0" wrap="square" tIns="0">
+            <a:noAutofit/>
+          </a:bodyPr>
+          <a:lstStyle/>
+          <a:p>
+            <a:pPr indent="-342900" lvl="0" marL="457200" marR="0" rtl="0" algn="just">
+              <a:lnSpc>
+                <a:spcPct val="144000"/>
+              </a:lnSpc>
+              <a:spcBef>
+                <a:spcPts val="1260"/>
+              </a:spcBef>
+              <a:spcAft>
+                <a:spcPts val="0"/>
+              </a:spcAft>
+              <a:buClr>
+                <a:schemeClr val="lt1"/>
+              </a:buClr>
+              <a:buSzPts val="1800"/>
+              <a:buFont typeface="Times New Roman"/>
+              <a:buChar char="●"/>
+            </a:pPr>
+            <a:r>
+              <a:rPr b="0" i="0" lang="en-US" sz="1800" u="none" cap="none" strike="noStrike">
+                <a:solidFill>
+                  <a:schemeClr val="lt1"/>
+                </a:solidFill>
+                <a:latin typeface="Times New Roman"/>
+                <a:ea typeface="Times New Roman"/>
+                <a:cs typeface="Times New Roman"/>
+                <a:sym typeface="Times New Roman"/>
+              </a:rPr>
+              <a:t>User Authentication</a:t>
+            </a:r>
+            <a:endParaRPr sz="1800">
+              <a:solidFill>
+                <a:schemeClr val="lt1"/>
+              </a:solidFill>
+            </a:endParaRPr>
+          </a:p>
+          <a:p>
+            <a:pPr indent="-342900" lvl="0" marL="457200" marR="0" rtl="0" algn="just">
+              <a:lnSpc>
+                <a:spcPct val="144000"/>
+              </a:lnSpc>
+              <a:spcBef>
+                <a:spcPts val="0"/>
+              </a:spcBef>
+              <a:spcAft>
+                <a:spcPts val="0"/>
+              </a:spcAft>
+              <a:buClr>
+                <a:schemeClr val="lt1"/>
+              </a:buClr>
+              <a:buSzPts val="1800"/>
+              <a:buFont typeface="Times New Roman"/>
+              <a:buChar char="●"/>
+            </a:pPr>
+            <a:r>
+              <a:rPr lang="en-US" sz="1800">
+                <a:solidFill>
+                  <a:schemeClr val="lt1"/>
+                </a:solidFill>
+                <a:latin typeface="Times New Roman"/>
+                <a:ea typeface="Times New Roman"/>
+                <a:cs typeface="Times New Roman"/>
+                <a:sym typeface="Times New Roman"/>
+              </a:rPr>
+              <a:t>I</a:t>
+            </a:r>
+            <a:r>
+              <a:rPr b="0" i="0" lang="en-US" sz="1800" u="none" cap="none" strike="noStrike">
+                <a:solidFill>
+                  <a:schemeClr val="lt1"/>
+                </a:solidFill>
+                <a:latin typeface="Times New Roman"/>
+                <a:ea typeface="Times New Roman"/>
+                <a:cs typeface="Times New Roman"/>
+                <a:sym typeface="Times New Roman"/>
+              </a:rPr>
+              <a:t>ntuitive Dashboard</a:t>
+            </a:r>
+            <a:endParaRPr sz="1800">
+              <a:solidFill>
+                <a:schemeClr val="lt1"/>
+              </a:solidFill>
+            </a:endParaRPr>
+          </a:p>
+          <a:p>
+            <a:pPr indent="-342900" lvl="0" marL="457200" marR="0" rtl="0" algn="just">
+              <a:lnSpc>
+                <a:spcPct val="144000"/>
+              </a:lnSpc>
+              <a:spcBef>
+                <a:spcPts val="0"/>
+              </a:spcBef>
+              <a:spcAft>
+                <a:spcPts val="0"/>
+              </a:spcAft>
+              <a:buClr>
+                <a:schemeClr val="lt1"/>
+              </a:buClr>
+              <a:buSzPts val="1800"/>
+              <a:buFont typeface="Times New Roman"/>
+              <a:buChar char="●"/>
+            </a:pPr>
+            <a:r>
+              <a:rPr b="0" i="0" lang="en-US" sz="1800" u="none" cap="none" strike="noStrike">
+                <a:solidFill>
+                  <a:schemeClr val="lt1"/>
+                </a:solidFill>
+                <a:latin typeface="Times New Roman"/>
+                <a:ea typeface="Times New Roman"/>
+                <a:cs typeface="Times New Roman"/>
+                <a:sym typeface="Times New Roman"/>
+              </a:rPr>
+              <a:t>Real-time Progress Updates</a:t>
+            </a:r>
+            <a:endParaRPr sz="1800">
+              <a:solidFill>
+                <a:schemeClr val="lt1"/>
+              </a:solidFill>
+            </a:endParaRPr>
+          </a:p>
+          <a:p>
+            <a:pPr indent="-342900" lvl="0" marL="457200" marR="0" rtl="0" algn="just">
+              <a:lnSpc>
+                <a:spcPct val="144000"/>
+              </a:lnSpc>
+              <a:spcBef>
+                <a:spcPts val="0"/>
+              </a:spcBef>
+              <a:spcAft>
+                <a:spcPts val="0"/>
+              </a:spcAft>
+              <a:buClr>
+                <a:schemeClr val="lt1"/>
+              </a:buClr>
+              <a:buSzPts val="1800"/>
+              <a:buFont typeface="Times New Roman"/>
+              <a:buChar char="●"/>
+            </a:pPr>
+            <a:r>
+              <a:rPr b="0" i="0" lang="en-US" sz="1800" u="none" cap="none" strike="noStrike">
+                <a:solidFill>
+                  <a:schemeClr val="lt1"/>
+                </a:solidFill>
+                <a:latin typeface="Times New Roman"/>
+                <a:ea typeface="Times New Roman"/>
+                <a:cs typeface="Times New Roman"/>
+                <a:sym typeface="Times New Roman"/>
+              </a:rPr>
+              <a:t>Detailed Scan Reports</a:t>
+            </a:r>
+            <a:endParaRPr sz="1800">
+              <a:solidFill>
+                <a:schemeClr val="lt1"/>
+              </a:solidFill>
+            </a:endParaRPr>
+          </a:p>
+          <a:p>
+            <a:pPr indent="-342900" lvl="0" marL="457200" marR="0" rtl="0" algn="just">
+              <a:lnSpc>
+                <a:spcPct val="144000"/>
+              </a:lnSpc>
+              <a:spcBef>
+                <a:spcPts val="0"/>
+              </a:spcBef>
+              <a:spcAft>
+                <a:spcPts val="0"/>
+              </a:spcAft>
+              <a:buClr>
+                <a:schemeClr val="lt1"/>
+              </a:buClr>
+              <a:buSzPts val="1800"/>
+              <a:buFont typeface="Times New Roman"/>
+              <a:buChar char="●"/>
+            </a:pPr>
+            <a:r>
+              <a:rPr lang="en-US" sz="1800">
+                <a:solidFill>
+                  <a:schemeClr val="lt1"/>
+                </a:solidFill>
+                <a:latin typeface="Times New Roman"/>
+                <a:ea typeface="Times New Roman"/>
+                <a:cs typeface="Times New Roman"/>
+                <a:sym typeface="Times New Roman"/>
+              </a:rPr>
+              <a:t>H</a:t>
+            </a:r>
+            <a:r>
+              <a:rPr b="0" i="0" lang="en-US" sz="1800" u="none" cap="none" strike="noStrike">
+                <a:solidFill>
+                  <a:schemeClr val="lt1"/>
+                </a:solidFill>
+                <a:latin typeface="Times New Roman"/>
+                <a:ea typeface="Times New Roman"/>
+                <a:cs typeface="Times New Roman"/>
+                <a:sym typeface="Times New Roman"/>
+              </a:rPr>
+              <a:t>istorical Scan Data</a:t>
+            </a:r>
+            <a:endParaRPr sz="1800">
+              <a:solidFill>
+                <a:schemeClr val="lt1"/>
+              </a:solidFill>
+            </a:endParaRPr>
+          </a:p>
+          <a:p>
+            <a:pPr indent="-342900" lvl="0" marL="457200" marR="0" rtl="0" algn="just">
+              <a:lnSpc>
+                <a:spcPct val="144000"/>
+              </a:lnSpc>
+              <a:spcBef>
+                <a:spcPts val="0"/>
+              </a:spcBef>
+              <a:spcAft>
+                <a:spcPts val="0"/>
+              </a:spcAft>
+              <a:buClr>
+                <a:schemeClr val="lt1"/>
+              </a:buClr>
+              <a:buSzPts val="1800"/>
+              <a:buFont typeface="Times New Roman"/>
+              <a:buChar char="●"/>
+            </a:pPr>
+            <a:r>
+              <a:rPr b="0" i="0" lang="en-US" sz="1800" u="none" cap="none" strike="noStrike">
+                <a:solidFill>
+                  <a:schemeClr val="lt1"/>
+                </a:solidFill>
+                <a:latin typeface="Times New Roman"/>
+                <a:ea typeface="Times New Roman"/>
+                <a:cs typeface="Times New Roman"/>
+                <a:sym typeface="Times New Roman"/>
+              </a:rPr>
+              <a:t>Alerts and Notifications</a:t>
+            </a:r>
+            <a:endParaRPr sz="1800">
+              <a:solidFill>
+                <a:schemeClr val="lt1"/>
+              </a:solidFill>
+            </a:endParaRPr>
+          </a:p>
+          <a:p>
+            <a:pPr indent="-342900" lvl="0" marL="457200" marR="0" rtl="0" algn="just">
+              <a:lnSpc>
+                <a:spcPct val="144000"/>
+              </a:lnSpc>
+              <a:spcBef>
+                <a:spcPts val="0"/>
+              </a:spcBef>
+              <a:spcAft>
+                <a:spcPts val="0"/>
+              </a:spcAft>
+              <a:buClr>
+                <a:schemeClr val="lt1"/>
+              </a:buClr>
+              <a:buSzPts val="1800"/>
+              <a:buFont typeface="Times New Roman"/>
+              <a:buChar char="●"/>
+            </a:pPr>
+            <a:r>
+              <a:rPr b="0" i="0" lang="en-US" sz="1800" u="none" cap="none" strike="noStrike">
+                <a:solidFill>
+                  <a:schemeClr val="lt1"/>
+                </a:solidFill>
+                <a:latin typeface="Times New Roman"/>
+                <a:ea typeface="Times New Roman"/>
+                <a:cs typeface="Times New Roman"/>
+                <a:sym typeface="Times New Roman"/>
+              </a:rPr>
+              <a:t>User Feedback Mechanism</a:t>
+            </a:r>
+            <a:endParaRPr sz="1800">
+              <a:solidFill>
+                <a:schemeClr val="lt1"/>
+              </a:solidFill>
+            </a:endParaRPr>
+          </a:p>
+          <a:p>
+            <a:pPr indent="-342900" lvl="0" marL="457200" marR="0" rtl="0" algn="just">
+              <a:lnSpc>
+                <a:spcPct val="144000"/>
+              </a:lnSpc>
+              <a:spcBef>
+                <a:spcPts val="0"/>
+              </a:spcBef>
+              <a:spcAft>
+                <a:spcPts val="0"/>
+              </a:spcAft>
+              <a:buClr>
+                <a:schemeClr val="lt1"/>
+              </a:buClr>
+              <a:buSzPts val="1800"/>
+              <a:buFont typeface="Times New Roman"/>
+              <a:buChar char="●"/>
+            </a:pPr>
+            <a:r>
+              <a:rPr b="0" i="0" lang="en-US" sz="1800" u="none" cap="none" strike="noStrike">
+                <a:solidFill>
+                  <a:schemeClr val="lt1"/>
+                </a:solidFill>
+                <a:latin typeface="Times New Roman"/>
+                <a:ea typeface="Times New Roman"/>
+                <a:cs typeface="Times New Roman"/>
+                <a:sym typeface="Times New Roman"/>
+              </a:rPr>
+              <a:t>Responsive Design</a:t>
+            </a:r>
+            <a:endParaRPr sz="1800">
+              <a:solidFill>
+                <a:schemeClr val="lt1"/>
+              </a:solidFill>
+            </a:endParaRPr>
+          </a:p>
+        </p:txBody>
+      </p:sp>
+      <p:sp>
+        <p:nvSpPr>
+          <p:cNvPr id="127" name="Google Shape;127;p4"/>
+          <p:cNvSpPr/>
+          <p:nvPr/>
+        </p:nvSpPr>
+        <p:spPr>
+          <a:xfrm>
+            <a:off x="7964245" y="4822421"/>
+            <a:ext cx="121800" cy="70200"/>
+          </a:xfrm>
+          <a:prstGeom prst="rect">
+            <a:avLst/>
+          </a:prstGeom>
+          <a:noFill/>
+          <a:ln>
+            <a:noFill/>
+          </a:ln>
+        </p:spPr>
+        <p:txBody>
+          <a:bodyPr anchorCtr="0" anchor="t" bIns="0" lIns="0" spcFirstLastPara="1" rIns="0" wrap="square" tIns="0">
+            <a:noAutofit/>
+          </a:bodyPr>
+          <a:lstStyle/>
+          <a:p>
+            <a:pPr indent="0" lvl="0" marL="0" marR="0" rtl="0" algn="l">
+              <a:spcBef>
+                <a:spcPts val="0"/>
+              </a:spcBef>
+              <a:spcAft>
+                <a:spcPts val="0"/>
+              </a:spcAft>
+              <a:buNone/>
+            </a:pPr>
+            <a:r>
+              <a:t/>
+            </a:r>
+            <a:endParaRPr>
+              <a:solidFill>
+                <a:schemeClr val="lt1"/>
+              </a:solidFill>
+            </a:endParaRPr>
+          </a:p>
+        </p:txBody>
+      </p:sp>
+      <p:sp>
+        <p:nvSpPr>
+          <p:cNvPr id="128" name="Google Shape;128;p4"/>
+          <p:cNvSpPr txBox="1"/>
+          <p:nvPr/>
+        </p:nvSpPr>
+        <p:spPr>
+          <a:xfrm>
+            <a:off x="606900" y="311050"/>
+            <a:ext cx="7988400" cy="834600"/>
+          </a:xfrm>
+          <a:prstGeom prst="rect">
+            <a:avLst/>
+          </a:prstGeom>
+          <a:noFill/>
+          <a:ln>
+            <a:noFill/>
+          </a:ln>
+        </p:spPr>
+        <p:txBody>
+          <a:bodyPr anchorCtr="0" anchor="t" bIns="91425" lIns="91425" spcFirstLastPara="1" rIns="91425" wrap="square" tIns="91425">
+            <a:noAutofit/>
+          </a:bodyPr>
+          <a:lstStyle/>
+          <a:p>
+            <a:pPr indent="0" lvl="0" marL="0" rtl="0" algn="just">
+              <a:spcBef>
+                <a:spcPts val="2100"/>
+              </a:spcBef>
+              <a:spcAft>
+                <a:spcPts val="0"/>
+              </a:spcAft>
+              <a:buClr>
+                <a:schemeClr val="dk1"/>
+              </a:buClr>
+              <a:buFont typeface="Arial"/>
+              <a:buNone/>
+            </a:pPr>
+            <a:r>
+              <a:rPr b="1" lang="en-US" sz="2500">
+                <a:solidFill>
+                  <a:schemeClr val="lt1"/>
+                </a:solidFill>
+                <a:latin typeface="Times New Roman"/>
+                <a:ea typeface="Times New Roman"/>
+                <a:cs typeface="Times New Roman"/>
+                <a:sym typeface="Times New Roman"/>
+              </a:rPr>
+              <a:t>User Interface and User Experience</a:t>
+            </a:r>
+            <a:endParaRPr sz="2500">
+              <a:solidFill>
+                <a:schemeClr val="lt1"/>
+              </a:solidFill>
+            </a:endParaRPr>
+          </a:p>
+        </p:txBody>
+      </p:sp>
+      <p:sp>
+        <p:nvSpPr>
+          <p:cNvPr id="129" name="Google Shape;129;p4"/>
+          <p:cNvSpPr txBox="1"/>
+          <p:nvPr>
+            <p:ph idx="12" type="sldNum"/>
+          </p:nvPr>
+        </p:nvSpPr>
+        <p:spPr>
+          <a:xfrm>
+            <a:off x="8556784" y="4749851"/>
+            <a:ext cx="548700" cy="393600"/>
+          </a:xfrm>
+          <a:prstGeom prst="rect">
+            <a:avLst/>
+          </a:prstGeom>
+        </p:spPr>
+        <p:txBody>
+          <a:bodyPr anchorCtr="0" anchor="t" bIns="91425" lIns="91425" spcFirstLastPara="1" rIns="91425" wrap="square" tIns="91425">
+            <a:normAutofit/>
+          </a:bodyPr>
+          <a:lstStyle/>
+          <a:p>
+            <a:pPr indent="0" lvl="0" marL="0" rtl="0" algn="r">
+              <a:spcBef>
+                <a:spcPts val="0"/>
+              </a:spcBef>
+              <a:spcAft>
+                <a:spcPts val="0"/>
+              </a:spcAft>
+              <a:buNone/>
+            </a:pPr>
+            <a:fld id="{00000000-1234-1234-1234-123412341234}" type="slidenum">
+              <a:rPr lang="en-US"/>
+              <a:t>‹#›</a:t>
+            </a:fld>
+            <a:endParaRPr/>
           </a:p>
         </p:txBody>
       </p:sp>

--- a/ThesisPart1/Proposal-Website-Vulnerabilities-Scanner_-Vuln-Exposer.pptx
+++ b/ThesisPart1/Proposal-Website-Vulnerabilities-Scanner_-Vuln-Exposer.pptx
@@ -7055,7 +7055,7 @@
             <a:tbl>
               <a:tblPr>
                 <a:noFill/>
-                <a:tableStyleId>{93C7D498-B76E-4DAF-A6B0-7B7F7BAAA935}</a:tableStyleId>
+                <a:tableStyleId>{810F19FA-9748-4F3A-B79F-C44453EFD7FC}</a:tableStyleId>
               </a:tblPr>
               <a:tblGrid>
                 <a:gridCol w="4034775"/>
@@ -8348,46 +8348,6 @@
                 <a:cs typeface="Times New Roman"/>
                 <a:sym typeface="Times New Roman"/>
               </a:rPr>
-              <a:t>Scopes</a:t>
-            </a:r>
-            <a:endParaRPr>
-              <a:solidFill>
-                <a:schemeClr val="lt1"/>
-              </a:solidFill>
-              <a:latin typeface="Times New Roman"/>
-              <a:ea typeface="Times New Roman"/>
-              <a:cs typeface="Times New Roman"/>
-              <a:sym typeface="Times New Roman"/>
-            </a:endParaRPr>
-          </a:p>
-          <a:p>
-            <a:pPr indent="-342900" lvl="0" marL="457200" rtl="0" algn="just">
-              <a:lnSpc>
-                <a:spcPct val="146400"/>
-              </a:lnSpc>
-              <a:spcBef>
-                <a:spcPts val="0"/>
-              </a:spcBef>
-              <a:spcAft>
-                <a:spcPts val="0"/>
-              </a:spcAft>
-              <a:buClr>
-                <a:schemeClr val="lt1"/>
-              </a:buClr>
-              <a:buSzPts val="1800"/>
-              <a:buFont typeface="Times New Roman"/>
-              <a:buChar char="●"/>
-            </a:pPr>
-            <a:r>
-              <a:rPr lang="en-US">
-                <a:solidFill>
-                  <a:schemeClr val="lt1"/>
-                </a:solidFill>
-                <a:latin typeface="Times New Roman"/>
-                <a:ea typeface="Times New Roman"/>
-                <a:cs typeface="Times New Roman"/>
-                <a:sym typeface="Times New Roman"/>
-              </a:rPr>
               <a:t>UI/UX</a:t>
             </a:r>
             <a:endParaRPr>
@@ -10856,6 +10816,285 @@
 </file>
 
 <file path=ppt/theme/theme1.xml><?xml version="1.0" encoding="utf-8"?>
+<a:theme xmlns:a="http://schemas.openxmlformats.org/drawingml/2006/main" xmlns:r="http://schemas.openxmlformats.org/officeDocument/2006/relationships" name="Simple Light">
+  <a:themeElements>
+    <a:clrScheme name="Simple Light">
+      <a:dk1>
+        <a:srgbClr val="000000"/>
+      </a:dk1>
+      <a:lt1>
+        <a:srgbClr val="FFFFFF"/>
+      </a:lt1>
+      <a:dk2>
+        <a:srgbClr val="595959"/>
+      </a:dk2>
+      <a:lt2>
+        <a:srgbClr val="EEEEEE"/>
+      </a:lt2>
+      <a:accent1>
+        <a:srgbClr val="4285F4"/>
+      </a:accent1>
+      <a:accent2>
+        <a:srgbClr val="212121"/>
+      </a:accent2>
+      <a:accent3>
+        <a:srgbClr val="78909C"/>
+      </a:accent3>
+      <a:accent4>
+        <a:srgbClr val="FFAB40"/>
+      </a:accent4>
+      <a:accent5>
+        <a:srgbClr val="0097A7"/>
+      </a:accent5>
+      <a:accent6>
+        <a:srgbClr val="EEFF41"/>
+      </a:accent6>
+      <a:hlink>
+        <a:srgbClr val="0097A7"/>
+      </a:hlink>
+      <a:folHlink>
+        <a:srgbClr val="0097A7"/>
+      </a:folHlink>
+    </a:clrScheme>
+    <a:fontScheme name="Office">
+      <a:majorFont>
+        <a:latin typeface="Arial"/>
+        <a:ea typeface=""/>
+        <a:cs typeface=""/>
+        <a:font script="Jpan" typeface="ＭＳ Ｐゴシック"/>
+        <a:font script="Hang" typeface="맑은 고딕"/>
+        <a:font script="Hans" typeface="宋体"/>
+        <a:font script="Hant" typeface="新細明體"/>
+        <a:font script="Arab" typeface="Times New Roman"/>
+        <a:font script="Hebr" typeface="Times New Roman"/>
+        <a:font script="Thai" typeface="Angsana New"/>
+        <a:font script="Ethi" typeface="Nyala"/>
+        <a:font script="Beng" typeface="Vrinda"/>
+        <a:font script="Gujr" typeface="Shruti"/>
+        <a:font script="Khmr" typeface="MoolBoran"/>
+        <a:font script="Knda" typeface="Tunga"/>
+        <a:font script="Guru" typeface="Raavi"/>
+        <a:font script="Cans" typeface="Euphemia"/>
+        <a:font script="Cher" typeface="Plantagenet Cherokee"/>
+        <a:font script="Yiii" typeface="Microsoft Yi Baiti"/>
+        <a:font script="Tibt" typeface="Microsoft Himalaya"/>
+        <a:font script="Thaa" typeface="MV Boli"/>
+        <a:font script="Deva" typeface="Mangal"/>
+        <a:font script="Telu" typeface="Gautami"/>
+        <a:font script="Taml" typeface="Latha"/>
+        <a:font script="Syrc" typeface="Estrangelo Edessa"/>
+        <a:font script="Orya" typeface="Kalinga"/>
+        <a:font script="Mlym" typeface="Kartika"/>
+        <a:font script="Laoo" typeface="DokChampa"/>
+        <a:font script="Sinh" typeface="Iskoola Pota"/>
+        <a:font script="Mong" typeface="Mongolian Baiti"/>
+        <a:font script="Viet" typeface="Times New Roman"/>
+        <a:font script="Uigh" typeface="Microsoft Uighur"/>
+        <a:font script="Geor" typeface="Sylfaen"/>
+      </a:majorFont>
+      <a:minorFont>
+        <a:latin typeface="Arial"/>
+        <a:ea typeface=""/>
+        <a:cs typeface=""/>
+        <a:font script="Jpan" typeface="ＭＳ Ｐゴシック"/>
+        <a:font script="Hang" typeface="맑은 고딕"/>
+        <a:font script="Hans" typeface="宋体"/>
+        <a:font script="Hant" typeface="新細明體"/>
+        <a:font script="Arab" typeface="Arial"/>
+        <a:font script="Hebr" typeface="Arial"/>
+        <a:font script="Thai" typeface="Cordia New"/>
+        <a:font script="Ethi" typeface="Nyala"/>
+        <a:font script="Beng" typeface="Vrinda"/>
+        <a:font script="Gujr" typeface="Shruti"/>
+        <a:font script="Khmr" typeface="DaunPenh"/>
+        <a:font script="Knda" typeface="Tunga"/>
+        <a:font script="Guru" typeface="Raavi"/>
+        <a:font script="Cans" typeface="Euphemia"/>
+        <a:font script="Cher" typeface="Plantagenet Cherokee"/>
+        <a:font script="Yiii" typeface="Microsoft Yi Baiti"/>
+        <a:font script="Tibt" typeface="Microsoft Himalaya"/>
+        <a:font script="Thaa" typeface="MV Boli"/>
+        <a:font script="Deva" typeface="Mangal"/>
+        <a:font script="Telu" typeface="Gautami"/>
+        <a:font script="Taml" typeface="Latha"/>
+        <a:font script="Syrc" typeface="Estrangelo Edessa"/>
+        <a:font script="Orya" typeface="Kalinga"/>
+        <a:font script="Mlym" typeface="Kartika"/>
+        <a:font script="Laoo" typeface="DokChampa"/>
+        <a:font script="Sinh" typeface="Iskoola Pota"/>
+        <a:font script="Mong" typeface="Mongolian Baiti"/>
+        <a:font script="Viet" typeface="Arial"/>
+        <a:font script="Uigh" typeface="Microsoft Uighur"/>
+        <a:font script="Geor" typeface="Sylfaen"/>
+      </a:minorFont>
+    </a:fontScheme>
+    <a:fmtScheme name="Office">
+      <a:fillStyleLst>
+        <a:solidFill>
+          <a:schemeClr val="phClr"/>
+        </a:solidFill>
+        <a:gradFill rotWithShape="1">
+          <a:gsLst>
+            <a:gs pos="0">
+              <a:schemeClr val="phClr">
+                <a:tint val="50000"/>
+                <a:satMod val="300000"/>
+              </a:schemeClr>
+            </a:gs>
+            <a:gs pos="35000">
+              <a:schemeClr val="phClr">
+                <a:tint val="37000"/>
+                <a:satMod val="300000"/>
+              </a:schemeClr>
+            </a:gs>
+            <a:gs pos="100000">
+              <a:schemeClr val="phClr">
+                <a:tint val="15000"/>
+                <a:satMod val="350000"/>
+              </a:schemeClr>
+            </a:gs>
+          </a:gsLst>
+          <a:lin ang="16200000" scaled="1"/>
+        </a:gradFill>
+        <a:gradFill rotWithShape="1">
+          <a:gsLst>
+            <a:gs pos="0">
+              <a:schemeClr val="phClr">
+                <a:tint val="100000"/>
+                <a:shade val="100000"/>
+                <a:satMod val="130000"/>
+              </a:schemeClr>
+            </a:gs>
+            <a:gs pos="100000">
+              <a:schemeClr val="phClr">
+                <a:tint val="50000"/>
+                <a:shade val="100000"/>
+                <a:satMod val="350000"/>
+              </a:schemeClr>
+            </a:gs>
+          </a:gsLst>
+          <a:lin ang="16200000" scaled="0"/>
+        </a:gradFill>
+      </a:fillStyleLst>
+      <a:lnStyleLst>
+        <a:ln w="9525" cap="flat" cmpd="sng" algn="ctr">
+          <a:solidFill>
+            <a:schemeClr val="phClr">
+              <a:shade val="95000"/>
+              <a:satMod val="105000"/>
+            </a:schemeClr>
+          </a:solidFill>
+          <a:prstDash val="solid"/>
+        </a:ln>
+        <a:ln w="25400" cap="flat" cmpd="sng" algn="ctr">
+          <a:solidFill>
+            <a:schemeClr val="phClr"/>
+          </a:solidFill>
+          <a:prstDash val="solid"/>
+        </a:ln>
+        <a:ln w="38100" cap="flat" cmpd="sng" algn="ctr">
+          <a:solidFill>
+            <a:schemeClr val="phClr"/>
+          </a:solidFill>
+          <a:prstDash val="solid"/>
+        </a:ln>
+      </a:lnStyleLst>
+      <a:effectStyleLst>
+        <a:effectStyle>
+          <a:effectLst>
+            <a:outerShdw blurRad="40000" dist="20000" dir="5400000" rotWithShape="0">
+              <a:srgbClr val="000000">
+                <a:alpha val="38000"/>
+              </a:srgbClr>
+            </a:outerShdw>
+          </a:effectLst>
+        </a:effectStyle>
+        <a:effectStyle>
+          <a:effectLst>
+            <a:outerShdw blurRad="40000" dist="23000" dir="5400000" rotWithShape="0">
+              <a:srgbClr val="000000">
+                <a:alpha val="35000"/>
+              </a:srgbClr>
+            </a:outerShdw>
+          </a:effectLst>
+        </a:effectStyle>
+        <a:effectStyle>
+          <a:effectLst>
+            <a:outerShdw blurRad="40000" dist="23000" dir="5400000" rotWithShape="0">
+              <a:srgbClr val="000000">
+                <a:alpha val="35000"/>
+              </a:srgbClr>
+            </a:outerShdw>
+          </a:effectLst>
+          <a:scene3d>
+            <a:camera prst="orthographicFront">
+              <a:rot lat="0" lon="0" rev="0"/>
+            </a:camera>
+            <a:lightRig rig="threePt" dir="t">
+              <a:rot lat="0" lon="0" rev="1200000"/>
+            </a:lightRig>
+          </a:scene3d>
+          <a:sp3d>
+            <a:bevelT w="63500" h="25400"/>
+          </a:sp3d>
+        </a:effectStyle>
+      </a:effectStyleLst>
+      <a:bgFillStyleLst>
+        <a:solidFill>
+          <a:schemeClr val="phClr"/>
+        </a:solidFill>
+        <a:gradFill rotWithShape="1">
+          <a:gsLst>
+            <a:gs pos="0">
+              <a:schemeClr val="phClr">
+                <a:tint val="40000"/>
+                <a:satMod val="350000"/>
+              </a:schemeClr>
+            </a:gs>
+            <a:gs pos="40000">
+              <a:schemeClr val="phClr">
+                <a:tint val="45000"/>
+                <a:shade val="99000"/>
+                <a:satMod val="350000"/>
+              </a:schemeClr>
+            </a:gs>
+            <a:gs pos="100000">
+              <a:schemeClr val="phClr">
+                <a:shade val="20000"/>
+                <a:satMod val="255000"/>
+              </a:schemeClr>
+            </a:gs>
+          </a:gsLst>
+          <a:path path="circle">
+            <a:fillToRect l="50000" t="-80000" r="50000" b="180000"/>
+          </a:path>
+        </a:gradFill>
+        <a:gradFill rotWithShape="1">
+          <a:gsLst>
+            <a:gs pos="0">
+              <a:schemeClr val="phClr">
+                <a:tint val="80000"/>
+                <a:satMod val="300000"/>
+              </a:schemeClr>
+            </a:gs>
+            <a:gs pos="100000">
+              <a:schemeClr val="phClr">
+                <a:shade val="30000"/>
+                <a:satMod val="200000"/>
+              </a:schemeClr>
+            </a:gs>
+          </a:gsLst>
+          <a:path path="circle">
+            <a:fillToRect l="50000" t="50000" r="50000" b="50000"/>
+          </a:path>
+        </a:gradFill>
+      </a:bgFillStyleLst>
+    </a:fmtScheme>
+  </a:themeElements>
+</a:theme>
+</file>
+
+<file path=ppt/theme/theme2.xml><?xml version="1.0" encoding="utf-8"?>
 <a:theme xmlns:a="http://schemas.openxmlformats.org/drawingml/2006/main" xmlns:r="http://schemas.openxmlformats.org/officeDocument/2006/relationships">
   <a:themeElements>
     <a:clrScheme name="Default">
@@ -11132,283 +11371,4 @@
     </a:fmtScheme>
   </a:themeElements>
 </a:theme>
-</file>
-
-<file path=ppt/theme/theme2.xml><?xml version="1.0" encoding="utf-8"?>
-<a:theme xmlns:a="http://schemas.openxmlformats.org/drawingml/2006/main" xmlns:r="http://schemas.openxmlformats.org/officeDocument/2006/relationships" name="Simple Light">
-  <a:themeElements>
-    <a:clrScheme name="Simple Light">
-      <a:dk1>
-        <a:srgbClr val="000000"/>
-      </a:dk1>
-      <a:lt1>
-        <a:srgbClr val="FFFFFF"/>
-      </a:lt1>
-      <a:dk2>
-        <a:srgbClr val="595959"/>
-      </a:dk2>
-      <a:lt2>
-        <a:srgbClr val="EEEEEE"/>
-      </a:lt2>
-      <a:accent1>
-        <a:srgbClr val="4285F4"/>
-      </a:accent1>
-      <a:accent2>
-        <a:srgbClr val="212121"/>
-      </a:accent2>
-      <a:accent3>
-        <a:srgbClr val="78909C"/>
-      </a:accent3>
-      <a:accent4>
-        <a:srgbClr val="FFAB40"/>
-      </a:accent4>
-      <a:accent5>
-        <a:srgbClr val="0097A7"/>
-      </a:accent5>
-      <a:accent6>
-        <a:srgbClr val="EEFF41"/>
-      </a:accent6>
-      <a:hlink>
-        <a:srgbClr val="0097A7"/>
-      </a:hlink>
-      <a:folHlink>
-        <a:srgbClr val="0097A7"/>
-      </a:folHlink>
-    </a:clrScheme>
-    <a:fontScheme name="Office">
-      <a:majorFont>
-        <a:latin typeface="Arial"/>
-        <a:ea typeface=""/>
-        <a:cs typeface=""/>
-        <a:font script="Jpan" typeface="ＭＳ Ｐゴシック"/>
-        <a:font script="Hang" typeface="맑은 고딕"/>
-        <a:font script="Hans" typeface="宋体"/>
-        <a:font script="Hant" typeface="新細明體"/>
-        <a:font script="Arab" typeface="Times New Roman"/>
-        <a:font script="Hebr" typeface="Times New Roman"/>
-        <a:font script="Thai" typeface="Angsana New"/>
-        <a:font script="Ethi" typeface="Nyala"/>
-        <a:font script="Beng" typeface="Vrinda"/>
-        <a:font script="Gujr" typeface="Shruti"/>
-        <a:font script="Khmr" typeface="MoolBoran"/>
-        <a:font script="Knda" typeface="Tunga"/>
-        <a:font script="Guru" typeface="Raavi"/>
-        <a:font script="Cans" typeface="Euphemia"/>
-        <a:font script="Cher" typeface="Plantagenet Cherokee"/>
-        <a:font script="Yiii" typeface="Microsoft Yi Baiti"/>
-        <a:font script="Tibt" typeface="Microsoft Himalaya"/>
-        <a:font script="Thaa" typeface="MV Boli"/>
-        <a:font script="Deva" typeface="Mangal"/>
-        <a:font script="Telu" typeface="Gautami"/>
-        <a:font script="Taml" typeface="Latha"/>
-        <a:font script="Syrc" typeface="Estrangelo Edessa"/>
-        <a:font script="Orya" typeface="Kalinga"/>
-        <a:font script="Mlym" typeface="Kartika"/>
-        <a:font script="Laoo" typeface="DokChampa"/>
-        <a:font script="Sinh" typeface="Iskoola Pota"/>
-        <a:font script="Mong" typeface="Mongolian Baiti"/>
-        <a:font script="Viet" typeface="Times New Roman"/>
-        <a:font script="Uigh" typeface="Microsoft Uighur"/>
-        <a:font script="Geor" typeface="Sylfaen"/>
-      </a:majorFont>
-      <a:minorFont>
-        <a:latin typeface="Arial"/>
-        <a:ea typeface=""/>
-        <a:cs typeface=""/>
-        <a:font script="Jpan" typeface="ＭＳ Ｐゴシック"/>
-        <a:font script="Hang" typeface="맑은 고딕"/>
-        <a:font script="Hans" typeface="宋体"/>
-        <a:font script="Hant" typeface="新細明體"/>
-        <a:font script="Arab" typeface="Arial"/>
-        <a:font script="Hebr" typeface="Arial"/>
-        <a:font script="Thai" typeface="Cordia New"/>
-        <a:font script="Ethi" typeface="Nyala"/>
-        <a:font script="Beng" typeface="Vrinda"/>
-        <a:font script="Gujr" typeface="Shruti"/>
-        <a:font script="Khmr" typeface="DaunPenh"/>
-        <a:font script="Knda" typeface="Tunga"/>
-        <a:font script="Guru" typeface="Raavi"/>
-        <a:font script="Cans" typeface="Euphemia"/>
-        <a:font script="Cher" typeface="Plantagenet Cherokee"/>
-        <a:font script="Yiii" typeface="Microsoft Yi Baiti"/>
-        <a:font script="Tibt" typeface="Microsoft Himalaya"/>
-        <a:font script="Thaa" typeface="MV Boli"/>
-        <a:font script="Deva" typeface="Mangal"/>
-        <a:font script="Telu" typeface="Gautami"/>
-        <a:font script="Taml" typeface="Latha"/>
-        <a:font script="Syrc" typeface="Estrangelo Edessa"/>
-        <a:font script="Orya" typeface="Kalinga"/>
-        <a:font script="Mlym" typeface="Kartika"/>
-        <a:font script="Laoo" typeface="DokChampa"/>
-        <a:font script="Sinh" typeface="Iskoola Pota"/>
-        <a:font script="Mong" typeface="Mongolian Baiti"/>
-        <a:font script="Viet" typeface="Arial"/>
-        <a:font script="Uigh" typeface="Microsoft Uighur"/>
-        <a:font script="Geor" typeface="Sylfaen"/>
-      </a:minorFont>
-    </a:fontScheme>
-    <a:fmtScheme name="Office">
-      <a:fillStyleLst>
-        <a:solidFill>
-          <a:schemeClr val="phClr"/>
-        </a:solidFill>
-        <a:gradFill rotWithShape="1">
-          <a:gsLst>
-            <a:gs pos="0">
-              <a:schemeClr val="phClr">
-                <a:tint val="50000"/>
-                <a:satMod val="300000"/>
-              </a:schemeClr>
-            </a:gs>
-            <a:gs pos="35000">
-              <a:schemeClr val="phClr">
-                <a:tint val="37000"/>
-                <a:satMod val="300000"/>
-              </a:schemeClr>
-            </a:gs>
-            <a:gs pos="100000">
-              <a:schemeClr val="phClr">
-                <a:tint val="15000"/>
-                <a:satMod val="350000"/>
-              </a:schemeClr>
-            </a:gs>
-          </a:gsLst>
-          <a:lin ang="16200000" scaled="1"/>
-        </a:gradFill>
-        <a:gradFill rotWithShape="1">
-          <a:gsLst>
-            <a:gs pos="0">
-              <a:schemeClr val="phClr">
-                <a:tint val="100000"/>
-                <a:shade val="100000"/>
-                <a:satMod val="130000"/>
-              </a:schemeClr>
-            </a:gs>
-            <a:gs pos="100000">
-              <a:schemeClr val="phClr">
-                <a:tint val="50000"/>
-                <a:shade val="100000"/>
-                <a:satMod val="350000"/>
-              </a:schemeClr>
-            </a:gs>
-          </a:gsLst>
-          <a:lin ang="16200000" scaled="0"/>
-        </a:gradFill>
-      </a:fillStyleLst>
-      <a:lnStyleLst>
-        <a:ln w="9525" cap="flat" cmpd="sng" algn="ctr">
-          <a:solidFill>
-            <a:schemeClr val="phClr">
-              <a:shade val="95000"/>
-              <a:satMod val="105000"/>
-            </a:schemeClr>
-          </a:solidFill>
-          <a:prstDash val="solid"/>
-        </a:ln>
-        <a:ln w="25400" cap="flat" cmpd="sng" algn="ctr">
-          <a:solidFill>
-            <a:schemeClr val="phClr"/>
-          </a:solidFill>
-          <a:prstDash val="solid"/>
-        </a:ln>
-        <a:ln w="38100" cap="flat" cmpd="sng" algn="ctr">
-          <a:solidFill>
-            <a:schemeClr val="phClr"/>
-          </a:solidFill>
-          <a:prstDash val="solid"/>
-        </a:ln>
-      </a:lnStyleLst>
-      <a:effectStyleLst>
-        <a:effectStyle>
-          <a:effectLst>
-            <a:outerShdw blurRad="40000" dist="20000" dir="5400000" rotWithShape="0">
-              <a:srgbClr val="000000">
-                <a:alpha val="38000"/>
-              </a:srgbClr>
-            </a:outerShdw>
-          </a:effectLst>
-        </a:effectStyle>
-        <a:effectStyle>
-          <a:effectLst>
-            <a:outerShdw blurRad="40000" dist="23000" dir="5400000" rotWithShape="0">
-              <a:srgbClr val="000000">
-                <a:alpha val="35000"/>
-              </a:srgbClr>
-            </a:outerShdw>
-          </a:effectLst>
-        </a:effectStyle>
-        <a:effectStyle>
-          <a:effectLst>
-            <a:outerShdw blurRad="40000" dist="23000" dir="5400000" rotWithShape="0">
-              <a:srgbClr val="000000">
-                <a:alpha val="35000"/>
-              </a:srgbClr>
-            </a:outerShdw>
-          </a:effectLst>
-          <a:scene3d>
-            <a:camera prst="orthographicFront">
-              <a:rot lat="0" lon="0" rev="0"/>
-            </a:camera>
-            <a:lightRig rig="threePt" dir="t">
-              <a:rot lat="0" lon="0" rev="1200000"/>
-            </a:lightRig>
-          </a:scene3d>
-          <a:sp3d>
-            <a:bevelT w="63500" h="25400"/>
-          </a:sp3d>
-        </a:effectStyle>
-      </a:effectStyleLst>
-      <a:bgFillStyleLst>
-        <a:solidFill>
-          <a:schemeClr val="phClr"/>
-        </a:solidFill>
-        <a:gradFill rotWithShape="1">
-          <a:gsLst>
-            <a:gs pos="0">
-              <a:schemeClr val="phClr">
-                <a:tint val="40000"/>
-                <a:satMod val="350000"/>
-              </a:schemeClr>
-            </a:gs>
-            <a:gs pos="40000">
-              <a:schemeClr val="phClr">
-                <a:tint val="45000"/>
-                <a:shade val="99000"/>
-                <a:satMod val="350000"/>
-              </a:schemeClr>
-            </a:gs>
-            <a:gs pos="100000">
-              <a:schemeClr val="phClr">
-                <a:shade val="20000"/>
-                <a:satMod val="255000"/>
-              </a:schemeClr>
-            </a:gs>
-          </a:gsLst>
-          <a:path path="circle">
-            <a:fillToRect l="50000" t="-80000" r="50000" b="180000"/>
-          </a:path>
-        </a:gradFill>
-        <a:gradFill rotWithShape="1">
-          <a:gsLst>
-            <a:gs pos="0">
-              <a:schemeClr val="phClr">
-                <a:tint val="80000"/>
-                <a:satMod val="300000"/>
-              </a:schemeClr>
-            </a:gs>
-            <a:gs pos="100000">
-              <a:schemeClr val="phClr">
-                <a:shade val="30000"/>
-                <a:satMod val="200000"/>
-              </a:schemeClr>
-            </a:gs>
-          </a:gsLst>
-          <a:path path="circle">
-            <a:fillToRect l="50000" t="50000" r="50000" b="50000"/>
-          </a:path>
-        </a:gradFill>
-      </a:bgFillStyleLst>
-    </a:fmtScheme>
-  </a:themeElements>
-</a:theme>
 </file>